--- a/figures/画图2.pptx
+++ b/figures/画图2.pptx
@@ -6,6 +6,8 @@
   </p:sldMasterIdLst>
   <p:sldIdLst>
     <p:sldId id="256" r:id="rId2"/>
+    <p:sldId id="257" r:id="rId3"/>
+    <p:sldId id="258" r:id="rId4"/>
   </p:sldIdLst>
   <p:sldSz cx="18311813" cy="10817225"/>
   <p:notesSz cx="6858000" cy="9144000"/>
@@ -104,6 +106,11 @@
       </a:defRPr>
     </a:lvl9pPr>
   </p:defaultTextStyle>
+  <p:extLst>
+    <p:ext uri="{EFAFB233-063F-42B5-8137-9DF3F51BA10A}">
+      <p15:sldGuideLst xmlns:p15="http://schemas.microsoft.com/office/powerpoint/2012/main"/>
+    </p:ext>
+  </p:extLst>
 </p:presentation>
 </file>
 
@@ -238,7 +245,7 @@
           <a:p>
             <a:fld id="{DC075734-832F-4963-8D1D-4B04F8BE4B68}" type="datetimeFigureOut">
               <a:rPr lang="zh-CN" altLang="en-US" smtClean="0"/>
-              <a:t>2019/5/8</a:t>
+              <a:t>2019/5/9</a:t>
             </a:fld>
             <a:endParaRPr lang="zh-CN" altLang="en-US"/>
           </a:p>
@@ -408,7 +415,7 @@
           <a:p>
             <a:fld id="{DC075734-832F-4963-8D1D-4B04F8BE4B68}" type="datetimeFigureOut">
               <a:rPr lang="zh-CN" altLang="en-US" smtClean="0"/>
-              <a:t>2019/5/8</a:t>
+              <a:t>2019/5/9</a:t>
             </a:fld>
             <a:endParaRPr lang="zh-CN" altLang="en-US"/>
           </a:p>
@@ -588,7 +595,7 @@
           <a:p>
             <a:fld id="{DC075734-832F-4963-8D1D-4B04F8BE4B68}" type="datetimeFigureOut">
               <a:rPr lang="zh-CN" altLang="en-US" smtClean="0"/>
-              <a:t>2019/5/8</a:t>
+              <a:t>2019/5/9</a:t>
             </a:fld>
             <a:endParaRPr lang="zh-CN" altLang="en-US"/>
           </a:p>
@@ -758,7 +765,7 @@
           <a:p>
             <a:fld id="{DC075734-832F-4963-8D1D-4B04F8BE4B68}" type="datetimeFigureOut">
               <a:rPr lang="zh-CN" altLang="en-US" smtClean="0"/>
-              <a:t>2019/5/8</a:t>
+              <a:t>2019/5/9</a:t>
             </a:fld>
             <a:endParaRPr lang="zh-CN" altLang="en-US"/>
           </a:p>
@@ -1004,7 +1011,7 @@
           <a:p>
             <a:fld id="{DC075734-832F-4963-8D1D-4B04F8BE4B68}" type="datetimeFigureOut">
               <a:rPr lang="zh-CN" altLang="en-US" smtClean="0"/>
-              <a:t>2019/5/8</a:t>
+              <a:t>2019/5/9</a:t>
             </a:fld>
             <a:endParaRPr lang="zh-CN" altLang="en-US"/>
           </a:p>
@@ -1236,7 +1243,7 @@
           <a:p>
             <a:fld id="{DC075734-832F-4963-8D1D-4B04F8BE4B68}" type="datetimeFigureOut">
               <a:rPr lang="zh-CN" altLang="en-US" smtClean="0"/>
-              <a:t>2019/5/8</a:t>
+              <a:t>2019/5/9</a:t>
             </a:fld>
             <a:endParaRPr lang="zh-CN" altLang="en-US"/>
           </a:p>
@@ -1603,7 +1610,7 @@
           <a:p>
             <a:fld id="{DC075734-832F-4963-8D1D-4B04F8BE4B68}" type="datetimeFigureOut">
               <a:rPr lang="zh-CN" altLang="en-US" smtClean="0"/>
-              <a:t>2019/5/8</a:t>
+              <a:t>2019/5/9</a:t>
             </a:fld>
             <a:endParaRPr lang="zh-CN" altLang="en-US"/>
           </a:p>
@@ -1721,7 +1728,7 @@
           <a:p>
             <a:fld id="{DC075734-832F-4963-8D1D-4B04F8BE4B68}" type="datetimeFigureOut">
               <a:rPr lang="zh-CN" altLang="en-US" smtClean="0"/>
-              <a:t>2019/5/8</a:t>
+              <a:t>2019/5/9</a:t>
             </a:fld>
             <a:endParaRPr lang="zh-CN" altLang="en-US"/>
           </a:p>
@@ -1816,7 +1823,7 @@
           <a:p>
             <a:fld id="{DC075734-832F-4963-8D1D-4B04F8BE4B68}" type="datetimeFigureOut">
               <a:rPr lang="zh-CN" altLang="en-US" smtClean="0"/>
-              <a:t>2019/5/8</a:t>
+              <a:t>2019/5/9</a:t>
             </a:fld>
             <a:endParaRPr lang="zh-CN" altLang="en-US"/>
           </a:p>
@@ -2093,7 +2100,7 @@
           <a:p>
             <a:fld id="{DC075734-832F-4963-8D1D-4B04F8BE4B68}" type="datetimeFigureOut">
               <a:rPr lang="zh-CN" altLang="en-US" smtClean="0"/>
-              <a:t>2019/5/8</a:t>
+              <a:t>2019/5/9</a:t>
             </a:fld>
             <a:endParaRPr lang="zh-CN" altLang="en-US"/>
           </a:p>
@@ -2350,7 +2357,7 @@
           <a:p>
             <a:fld id="{DC075734-832F-4963-8D1D-4B04F8BE4B68}" type="datetimeFigureOut">
               <a:rPr lang="zh-CN" altLang="en-US" smtClean="0"/>
-              <a:t>2019/5/8</a:t>
+              <a:t>2019/5/9</a:t>
             </a:fld>
             <a:endParaRPr lang="zh-CN" altLang="en-US"/>
           </a:p>
@@ -2563,7 +2570,7 @@
           <a:p>
             <a:fld id="{DC075734-832F-4963-8D1D-4B04F8BE4B68}" type="datetimeFigureOut">
               <a:rPr lang="zh-CN" altLang="en-US" smtClean="0"/>
-              <a:t>2019/5/8</a:t>
+              <a:t>2019/5/9</a:t>
             </a:fld>
             <a:endParaRPr lang="zh-CN" altLang="en-US"/>
           </a:p>
@@ -5309,6 +5316,3198 @@
 </p:sld>
 </file>
 
+<file path=ppt/slides/slide2.xml><?xml version="1.0" encoding="utf-8"?>
+<p:sld xmlns:a="http://schemas.openxmlformats.org/drawingml/2006/main" xmlns:r="http://schemas.openxmlformats.org/officeDocument/2006/relationships" xmlns:p="http://schemas.openxmlformats.org/presentationml/2006/main">
+  <p:cSld>
+    <p:spTree>
+      <p:nvGrpSpPr>
+        <p:cNvPr id="1" name=""/>
+        <p:cNvGrpSpPr/>
+        <p:nvPr/>
+      </p:nvGrpSpPr>
+      <p:grpSpPr>
+        <a:xfrm>
+          <a:off x="0" y="0"/>
+          <a:ext cx="0" cy="0"/>
+          <a:chOff x="0" y="0"/>
+          <a:chExt cx="0" cy="0"/>
+        </a:xfrm>
+      </p:grpSpPr>
+      <p:grpSp>
+        <p:nvGrpSpPr>
+          <p:cNvPr id="334" name="组合 333"/>
+          <p:cNvGrpSpPr/>
+          <p:nvPr/>
+        </p:nvGrpSpPr>
+        <p:grpSpPr>
+          <a:xfrm>
+            <a:off x="1314532" y="501977"/>
+            <a:ext cx="10548469" cy="9891128"/>
+            <a:chOff x="1314532" y="501977"/>
+            <a:chExt cx="10548469" cy="9891128"/>
+          </a:xfrm>
+        </p:grpSpPr>
+        <p:grpSp>
+          <p:nvGrpSpPr>
+            <p:cNvPr id="307" name="组合 306"/>
+            <p:cNvGrpSpPr/>
+            <p:nvPr/>
+          </p:nvGrpSpPr>
+          <p:grpSpPr>
+            <a:xfrm>
+              <a:off x="1314532" y="522993"/>
+              <a:ext cx="10548469" cy="9870112"/>
+              <a:chOff x="1314532" y="522993"/>
+              <a:chExt cx="10548469" cy="9870112"/>
+            </a:xfrm>
+          </p:grpSpPr>
+          <p:grpSp>
+            <p:nvGrpSpPr>
+              <p:cNvPr id="298" name="组合 297"/>
+              <p:cNvGrpSpPr/>
+              <p:nvPr/>
+            </p:nvGrpSpPr>
+            <p:grpSpPr>
+              <a:xfrm>
+                <a:off x="1314532" y="522993"/>
+                <a:ext cx="10548469" cy="9870112"/>
+                <a:chOff x="1314532" y="522993"/>
+                <a:chExt cx="10548469" cy="9870112"/>
+              </a:xfrm>
+            </p:grpSpPr>
+            <p:pic>
+              <p:nvPicPr>
+                <p:cNvPr id="11" name="图片 10"/>
+                <p:cNvPicPr>
+                  <a:picLocks noChangeAspect="1"/>
+                </p:cNvPicPr>
+                <p:nvPr/>
+              </p:nvPicPr>
+              <p:blipFill>
+                <a:blip r:embed="rId3"/>
+                <a:stretch>
+                  <a:fillRect/>
+                </a:stretch>
+              </p:blipFill>
+              <p:spPr>
+                <a:xfrm>
+                  <a:off x="1437415" y="947073"/>
+                  <a:ext cx="1276972" cy="1193949"/>
+                </a:xfrm>
+                <a:prstGeom prst="rect">
+                  <a:avLst/>
+                </a:prstGeom>
+              </p:spPr>
+            </p:pic>
+            <p:sp>
+              <p:nvSpPr>
+                <p:cNvPr id="12" name="梯形 11"/>
+                <p:cNvSpPr/>
+                <p:nvPr/>
+              </p:nvSpPr>
+              <p:spPr>
+                <a:xfrm rot="10800000">
+                  <a:off x="1437414" y="2612797"/>
+                  <a:ext cx="1271434" cy="1035381"/>
+                </a:xfrm>
+                <a:prstGeom prst="trapezoid">
+                  <a:avLst/>
+                </a:prstGeom>
+              </p:spPr>
+              <p:style>
+                <a:lnRef idx="2">
+                  <a:schemeClr val="accent1">
+                    <a:shade val="50000"/>
+                  </a:schemeClr>
+                </a:lnRef>
+                <a:fillRef idx="1">
+                  <a:schemeClr val="accent1"/>
+                </a:fillRef>
+                <a:effectRef idx="0">
+                  <a:schemeClr val="accent1"/>
+                </a:effectRef>
+                <a:fontRef idx="minor">
+                  <a:schemeClr val="lt1"/>
+                </a:fontRef>
+              </p:style>
+              <p:txBody>
+                <a:bodyPr rtlCol="0" anchor="ctr"/>
+                <a:lstStyle/>
+                <a:p>
+                  <a:pPr algn="ctr"/>
+                  <a:endParaRPr lang="zh-CN" altLang="en-US" dirty="0"/>
+                </a:p>
+              </p:txBody>
+            </p:sp>
+            <p:sp>
+              <p:nvSpPr>
+                <p:cNvPr id="13" name="矩形 12"/>
+                <p:cNvSpPr/>
+                <p:nvPr/>
+              </p:nvSpPr>
+              <p:spPr>
+                <a:xfrm>
+                  <a:off x="1371520" y="4081370"/>
+                  <a:ext cx="1396406" cy="543656"/>
+                </a:xfrm>
+                <a:prstGeom prst="rect">
+                  <a:avLst/>
+                </a:prstGeom>
+              </p:spPr>
+              <p:style>
+                <a:lnRef idx="2">
+                  <a:schemeClr val="accent4">
+                    <a:shade val="50000"/>
+                  </a:schemeClr>
+                </a:lnRef>
+                <a:fillRef idx="1">
+                  <a:schemeClr val="accent4"/>
+                </a:fillRef>
+                <a:effectRef idx="0">
+                  <a:schemeClr val="accent4"/>
+                </a:effectRef>
+                <a:fontRef idx="minor">
+                  <a:schemeClr val="lt1"/>
+                </a:fontRef>
+              </p:style>
+              <p:txBody>
+                <a:bodyPr rtlCol="0" anchor="ctr"/>
+                <a:lstStyle/>
+                <a:p>
+                  <a:pPr algn="ctr"/>
+                  <a:r>
+                    <a:rPr lang="en-US" altLang="zh-CN" sz="2000" dirty="0" smtClean="0">
+                      <a:solidFill>
+                        <a:schemeClr val="tx1"/>
+                      </a:solidFill>
+                      <a:latin typeface="+mn-ea"/>
+                    </a:rPr>
+                    <a:t>64x64x256</a:t>
+                  </a:r>
+                  <a:endParaRPr lang="en-US" altLang="zh-CN" sz="2000" dirty="0">
+                    <a:solidFill>
+                      <a:schemeClr val="tx1"/>
+                    </a:solidFill>
+                    <a:latin typeface="+mn-ea"/>
+                  </a:endParaRPr>
+                </a:p>
+              </p:txBody>
+            </p:sp>
+            <p:sp>
+              <p:nvSpPr>
+                <p:cNvPr id="14" name="梯形 13"/>
+                <p:cNvSpPr/>
+                <p:nvPr/>
+              </p:nvSpPr>
+              <p:spPr>
+                <a:xfrm rot="10800000">
+                  <a:off x="1438232" y="5231297"/>
+                  <a:ext cx="1270616" cy="1035381"/>
+                </a:xfrm>
+                <a:prstGeom prst="trapezoid">
+                  <a:avLst/>
+                </a:prstGeom>
+              </p:spPr>
+              <p:style>
+                <a:lnRef idx="2">
+                  <a:schemeClr val="accent1">
+                    <a:shade val="50000"/>
+                  </a:schemeClr>
+                </a:lnRef>
+                <a:fillRef idx="1">
+                  <a:schemeClr val="accent1"/>
+                </a:fillRef>
+                <a:effectRef idx="0">
+                  <a:schemeClr val="accent1"/>
+                </a:effectRef>
+                <a:fontRef idx="minor">
+                  <a:schemeClr val="lt1"/>
+                </a:fontRef>
+              </p:style>
+              <p:txBody>
+                <a:bodyPr rtlCol="0" anchor="ctr"/>
+                <a:lstStyle/>
+                <a:p>
+                  <a:pPr algn="ctr"/>
+                  <a:endParaRPr lang="zh-CN" altLang="en-US"/>
+                </a:p>
+              </p:txBody>
+            </p:sp>
+            <p:sp>
+              <p:nvSpPr>
+                <p:cNvPr id="15" name="矩形 14"/>
+                <p:cNvSpPr/>
+                <p:nvPr/>
+              </p:nvSpPr>
+              <p:spPr>
+                <a:xfrm>
+                  <a:off x="1314532" y="7188418"/>
+                  <a:ext cx="1526458" cy="543656"/>
+                </a:xfrm>
+                <a:prstGeom prst="rect">
+                  <a:avLst/>
+                </a:prstGeom>
+              </p:spPr>
+              <p:style>
+                <a:lnRef idx="2">
+                  <a:schemeClr val="accent4">
+                    <a:shade val="50000"/>
+                  </a:schemeClr>
+                </a:lnRef>
+                <a:fillRef idx="1">
+                  <a:schemeClr val="accent4"/>
+                </a:fillRef>
+                <a:effectRef idx="0">
+                  <a:schemeClr val="accent4"/>
+                </a:effectRef>
+                <a:fontRef idx="minor">
+                  <a:schemeClr val="lt1"/>
+                </a:fontRef>
+              </p:style>
+              <p:txBody>
+                <a:bodyPr rtlCol="0" anchor="ctr"/>
+                <a:lstStyle/>
+                <a:p>
+                  <a:pPr algn="ctr"/>
+                  <a:r>
+                    <a:rPr lang="en-US" altLang="zh-CN" sz="2000" dirty="0">
+                      <a:solidFill>
+                        <a:schemeClr val="tx1"/>
+                      </a:solidFill>
+                      <a:latin typeface="+mn-ea"/>
+                    </a:rPr>
+                    <a:t>32x32x512</a:t>
+                  </a:r>
+                  <a:endParaRPr lang="zh-CN" altLang="en-US" sz="2000" dirty="0">
+                    <a:solidFill>
+                      <a:schemeClr val="tx1"/>
+                    </a:solidFill>
+                    <a:latin typeface="+mn-ea"/>
+                  </a:endParaRPr>
+                </a:p>
+              </p:txBody>
+            </p:sp>
+            <p:sp>
+              <p:nvSpPr>
+                <p:cNvPr id="16" name="梯形 15"/>
+                <p:cNvSpPr/>
+                <p:nvPr/>
+              </p:nvSpPr>
+              <p:spPr>
+                <a:xfrm rot="10800000">
+                  <a:off x="1445451" y="8352033"/>
+                  <a:ext cx="1271434" cy="1035381"/>
+                </a:xfrm>
+                <a:prstGeom prst="trapezoid">
+                  <a:avLst/>
+                </a:prstGeom>
+              </p:spPr>
+              <p:style>
+                <a:lnRef idx="2">
+                  <a:schemeClr val="accent1">
+                    <a:shade val="50000"/>
+                  </a:schemeClr>
+                </a:lnRef>
+                <a:fillRef idx="1">
+                  <a:schemeClr val="accent1"/>
+                </a:fillRef>
+                <a:effectRef idx="0">
+                  <a:schemeClr val="accent1"/>
+                </a:effectRef>
+                <a:fontRef idx="minor">
+                  <a:schemeClr val="lt1"/>
+                </a:fontRef>
+              </p:style>
+              <p:txBody>
+                <a:bodyPr rtlCol="0" anchor="ctr"/>
+                <a:lstStyle/>
+                <a:p>
+                  <a:pPr algn="ctr"/>
+                  <a:endParaRPr lang="zh-CN" altLang="en-US"/>
+                </a:p>
+              </p:txBody>
+            </p:sp>
+            <p:sp>
+              <p:nvSpPr>
+                <p:cNvPr id="17" name="矩形 16"/>
+                <p:cNvSpPr/>
+                <p:nvPr/>
+              </p:nvSpPr>
+              <p:spPr>
+                <a:xfrm>
+                  <a:off x="1391524" y="9849449"/>
+                  <a:ext cx="1395539" cy="543656"/>
+                </a:xfrm>
+                <a:prstGeom prst="rect">
+                  <a:avLst/>
+                </a:prstGeom>
+              </p:spPr>
+              <p:style>
+                <a:lnRef idx="2">
+                  <a:schemeClr val="accent4">
+                    <a:shade val="50000"/>
+                  </a:schemeClr>
+                </a:lnRef>
+                <a:fillRef idx="1">
+                  <a:schemeClr val="accent4"/>
+                </a:fillRef>
+                <a:effectRef idx="0">
+                  <a:schemeClr val="accent4"/>
+                </a:effectRef>
+                <a:fontRef idx="minor">
+                  <a:schemeClr val="lt1"/>
+                </a:fontRef>
+              </p:style>
+              <p:txBody>
+                <a:bodyPr rtlCol="0" anchor="ctr"/>
+                <a:lstStyle/>
+                <a:p>
+                  <a:r>
+                    <a:rPr lang="en-US" altLang="zh-CN" sz="2000" dirty="0">
+                      <a:solidFill>
+                        <a:schemeClr val="tx1"/>
+                      </a:solidFill>
+                      <a:latin typeface="+mn-ea"/>
+                    </a:rPr>
+                    <a:t>16x16x512</a:t>
+                  </a:r>
+                  <a:endParaRPr lang="zh-CN" altLang="en-US" sz="2000" dirty="0">
+                    <a:solidFill>
+                      <a:schemeClr val="tx1"/>
+                    </a:solidFill>
+                    <a:latin typeface="+mn-ea"/>
+                  </a:endParaRPr>
+                </a:p>
+              </p:txBody>
+            </p:sp>
+            <p:sp>
+              <p:nvSpPr>
+                <p:cNvPr id="18" name="梯形 17"/>
+                <p:cNvSpPr/>
+                <p:nvPr/>
+              </p:nvSpPr>
+              <p:spPr>
+                <a:xfrm rot="10800000">
+                  <a:off x="4817910" y="5484816"/>
+                  <a:ext cx="1276973" cy="1035381"/>
+                </a:xfrm>
+                <a:prstGeom prst="trapezoid">
+                  <a:avLst/>
+                </a:prstGeom>
+              </p:spPr>
+              <p:style>
+                <a:lnRef idx="3">
+                  <a:schemeClr val="lt1"/>
+                </a:lnRef>
+                <a:fillRef idx="1">
+                  <a:schemeClr val="accent6"/>
+                </a:fillRef>
+                <a:effectRef idx="1">
+                  <a:schemeClr val="accent6"/>
+                </a:effectRef>
+                <a:fontRef idx="minor">
+                  <a:schemeClr val="lt1"/>
+                </a:fontRef>
+              </p:style>
+              <p:txBody>
+                <a:bodyPr rtlCol="0" anchor="ctr"/>
+                <a:lstStyle/>
+                <a:p>
+                  <a:pPr algn="ctr"/>
+                  <a:endParaRPr lang="zh-CN" altLang="en-US"/>
+                </a:p>
+              </p:txBody>
+            </p:sp>
+            <p:sp>
+              <p:nvSpPr>
+                <p:cNvPr id="19" name="梯形 18"/>
+                <p:cNvSpPr/>
+                <p:nvPr/>
+              </p:nvSpPr>
+              <p:spPr>
+                <a:xfrm rot="10800000">
+                  <a:off x="4813246" y="2542233"/>
+                  <a:ext cx="1276975" cy="1035381"/>
+                </a:xfrm>
+                <a:prstGeom prst="trapezoid">
+                  <a:avLst/>
+                </a:prstGeom>
+              </p:spPr>
+              <p:style>
+                <a:lnRef idx="3">
+                  <a:schemeClr val="lt1"/>
+                </a:lnRef>
+                <a:fillRef idx="1">
+                  <a:schemeClr val="accent6"/>
+                </a:fillRef>
+                <a:effectRef idx="1">
+                  <a:schemeClr val="accent6"/>
+                </a:effectRef>
+                <a:fontRef idx="minor">
+                  <a:schemeClr val="lt1"/>
+                </a:fontRef>
+              </p:style>
+              <p:txBody>
+                <a:bodyPr rtlCol="0" anchor="ctr"/>
+                <a:lstStyle/>
+                <a:p>
+                  <a:pPr algn="ctr"/>
+                  <a:endParaRPr lang="zh-CN" altLang="en-US"/>
+                </a:p>
+              </p:txBody>
+            </p:sp>
+            <p:sp>
+              <p:nvSpPr>
+                <p:cNvPr id="20" name="梯形 19"/>
+                <p:cNvSpPr/>
+                <p:nvPr/>
+              </p:nvSpPr>
+              <p:spPr>
+                <a:xfrm rot="10800000">
+                  <a:off x="4856783" y="8348287"/>
+                  <a:ext cx="1203137" cy="1035381"/>
+                </a:xfrm>
+                <a:prstGeom prst="trapezoid">
+                  <a:avLst/>
+                </a:prstGeom>
+              </p:spPr>
+              <p:style>
+                <a:lnRef idx="3">
+                  <a:schemeClr val="lt1"/>
+                </a:lnRef>
+                <a:fillRef idx="1">
+                  <a:schemeClr val="accent6"/>
+                </a:fillRef>
+                <a:effectRef idx="1">
+                  <a:schemeClr val="accent6"/>
+                </a:effectRef>
+                <a:fontRef idx="minor">
+                  <a:schemeClr val="lt1"/>
+                </a:fontRef>
+              </p:style>
+              <p:txBody>
+                <a:bodyPr rtlCol="0" anchor="ctr"/>
+                <a:lstStyle/>
+                <a:p>
+                  <a:pPr algn="ctr"/>
+                  <a:endParaRPr lang="zh-CN" altLang="en-US"/>
+                </a:p>
+              </p:txBody>
+            </p:sp>
+            <p:pic>
+              <p:nvPicPr>
+                <p:cNvPr id="21" name="图片 20"/>
+                <p:cNvPicPr>
+                  <a:picLocks noChangeAspect="1"/>
+                </p:cNvPicPr>
+                <p:nvPr/>
+              </p:nvPicPr>
+              <p:blipFill>
+                <a:blip r:embed="rId4"/>
+                <a:stretch>
+                  <a:fillRect/>
+                </a:stretch>
+              </p:blipFill>
+              <p:spPr>
+                <a:xfrm>
+                  <a:off x="4817368" y="970126"/>
+                  <a:ext cx="1276973" cy="1193949"/>
+                </a:xfrm>
+                <a:prstGeom prst="rect">
+                  <a:avLst/>
+                </a:prstGeom>
+              </p:spPr>
+            </p:pic>
+            <p:graphicFrame>
+              <p:nvGraphicFramePr>
+                <p:cNvPr id="22" name="对象 21"/>
+                <p:cNvGraphicFramePr>
+                  <a:graphicFrameLocks noChangeAspect="1"/>
+                </p:cNvGraphicFramePr>
+                <p:nvPr>
+                  <p:extLst>
+                    <p:ext uri="{D42A27DB-BD31-4B8C-83A1-F6EECF244321}">
+                      <p14:modId xmlns:p14="http://schemas.microsoft.com/office/powerpoint/2010/main" val="59790373"/>
+                    </p:ext>
+                  </p:extLst>
+                </p:nvPr>
+              </p:nvGraphicFramePr>
+              <p:xfrm>
+                <a:off x="9013451" y="947073"/>
+                <a:ext cx="1276973" cy="1324933"/>
+              </p:xfrm>
+              <a:graphic>
+                <a:graphicData uri="http://schemas.openxmlformats.org/presentationml/2006/ole">
+                  <mc:AlternateContent xmlns:mc="http://schemas.openxmlformats.org/markup-compatibility/2006">
+                    <mc:Choice xmlns:v="urn:schemas-microsoft-com:vml" Requires="v">
+                      <p:oleObj spid="_x0000_s1085" r:id="rId5" imgW="2272680" imgH="2552040" progId="">
+                        <p:embed/>
+                      </p:oleObj>
+                    </mc:Choice>
+                    <mc:Fallback>
+                      <p:oleObj r:id="rId5" imgW="2272680" imgH="2552040" progId="">
+                        <p:embed/>
+                        <p:pic>
+                          <p:nvPicPr>
+                            <p:cNvPr id="15" name="对象 14"/>
+                            <p:cNvPicPr/>
+                            <p:nvPr/>
+                          </p:nvPicPr>
+                          <p:blipFill>
+                            <a:blip r:embed="rId6"/>
+                            <a:stretch>
+                              <a:fillRect/>
+                            </a:stretch>
+                          </p:blipFill>
+                          <p:spPr>
+                            <a:xfrm>
+                              <a:off x="9013451" y="947073"/>
+                              <a:ext cx="1276973" cy="1324933"/>
+                            </a:xfrm>
+                            <a:prstGeom prst="rect">
+                              <a:avLst/>
+                            </a:prstGeom>
+                          </p:spPr>
+                        </p:pic>
+                      </p:oleObj>
+                    </mc:Fallback>
+                  </mc:AlternateContent>
+                </a:graphicData>
+              </a:graphic>
+            </p:graphicFrame>
+            <p:graphicFrame>
+              <p:nvGraphicFramePr>
+                <p:cNvPr id="23" name="对象 22"/>
+                <p:cNvGraphicFramePr>
+                  <a:graphicFrameLocks noChangeAspect="1"/>
+                </p:cNvGraphicFramePr>
+                <p:nvPr>
+                  <p:extLst>
+                    <p:ext uri="{D42A27DB-BD31-4B8C-83A1-F6EECF244321}">
+                      <p14:modId xmlns:p14="http://schemas.microsoft.com/office/powerpoint/2010/main" val="290383847"/>
+                    </p:ext>
+                  </p:extLst>
+                </p:nvPr>
+              </p:nvGraphicFramePr>
+              <p:xfrm>
+                <a:off x="9198247" y="4289839"/>
+                <a:ext cx="907380" cy="941458"/>
+              </p:xfrm>
+              <a:graphic>
+                <a:graphicData uri="http://schemas.openxmlformats.org/presentationml/2006/ole">
+                  <mc:AlternateContent xmlns:mc="http://schemas.openxmlformats.org/markup-compatibility/2006">
+                    <mc:Choice xmlns:v="urn:schemas-microsoft-com:vml" Requires="v">
+                      <p:oleObj spid="_x0000_s1086" r:id="rId7" imgW="2272680" imgH="2552040" progId="">
+                        <p:embed/>
+                      </p:oleObj>
+                    </mc:Choice>
+                    <mc:Fallback>
+                      <p:oleObj r:id="rId7" imgW="2272680" imgH="2552040" progId="">
+                        <p:embed/>
+                        <p:pic>
+                          <p:nvPicPr>
+                            <p:cNvPr id="17" name="对象 16"/>
+                            <p:cNvPicPr/>
+                            <p:nvPr/>
+                          </p:nvPicPr>
+                          <p:blipFill>
+                            <a:blip r:embed="rId6"/>
+                            <a:stretch>
+                              <a:fillRect/>
+                            </a:stretch>
+                          </p:blipFill>
+                          <p:spPr>
+                            <a:xfrm>
+                              <a:off x="9198247" y="4289839"/>
+                              <a:ext cx="907380" cy="941458"/>
+                            </a:xfrm>
+                            <a:prstGeom prst="rect">
+                              <a:avLst/>
+                            </a:prstGeom>
+                          </p:spPr>
+                        </p:pic>
+                      </p:oleObj>
+                    </mc:Fallback>
+                  </mc:AlternateContent>
+                </a:graphicData>
+              </a:graphic>
+            </p:graphicFrame>
+            <p:graphicFrame>
+              <p:nvGraphicFramePr>
+                <p:cNvPr id="24" name="对象 23"/>
+                <p:cNvGraphicFramePr>
+                  <a:graphicFrameLocks noChangeAspect="1"/>
+                </p:cNvGraphicFramePr>
+                <p:nvPr>
+                  <p:extLst>
+                    <p:ext uri="{D42A27DB-BD31-4B8C-83A1-F6EECF244321}">
+                      <p14:modId xmlns:p14="http://schemas.microsoft.com/office/powerpoint/2010/main" val="3955051718"/>
+                    </p:ext>
+                  </p:extLst>
+                </p:nvPr>
+              </p:nvGraphicFramePr>
+              <p:xfrm>
+                <a:off x="9359006" y="7151608"/>
+                <a:ext cx="585861" cy="607863"/>
+              </p:xfrm>
+              <a:graphic>
+                <a:graphicData uri="http://schemas.openxmlformats.org/presentationml/2006/ole">
+                  <mc:AlternateContent xmlns:mc="http://schemas.openxmlformats.org/markup-compatibility/2006">
+                    <mc:Choice xmlns:v="urn:schemas-microsoft-com:vml" Requires="v">
+                      <p:oleObj spid="_x0000_s1087" r:id="rId8" imgW="2272680" imgH="2552040" progId="">
+                        <p:embed/>
+                      </p:oleObj>
+                    </mc:Choice>
+                    <mc:Fallback>
+                      <p:oleObj r:id="rId8" imgW="2272680" imgH="2552040" progId="">
+                        <p:embed/>
+                        <p:pic>
+                          <p:nvPicPr>
+                            <p:cNvPr id="19" name="对象 18"/>
+                            <p:cNvPicPr/>
+                            <p:nvPr/>
+                          </p:nvPicPr>
+                          <p:blipFill>
+                            <a:blip r:embed="rId6"/>
+                            <a:stretch>
+                              <a:fillRect/>
+                            </a:stretch>
+                          </p:blipFill>
+                          <p:spPr>
+                            <a:xfrm>
+                              <a:off x="9359006" y="7151608"/>
+                              <a:ext cx="585861" cy="607863"/>
+                            </a:xfrm>
+                            <a:prstGeom prst="rect">
+                              <a:avLst/>
+                            </a:prstGeom>
+                          </p:spPr>
+                        </p:pic>
+                      </p:oleObj>
+                    </mc:Fallback>
+                  </mc:AlternateContent>
+                </a:graphicData>
+              </a:graphic>
+            </p:graphicFrame>
+            <p:cxnSp>
+              <p:nvCxnSpPr>
+                <p:cNvPr id="25" name="直接箭头连接符 24"/>
+                <p:cNvCxnSpPr>
+                  <a:stCxn id="11" idx="2"/>
+                  <a:endCxn id="12" idx="2"/>
+                </p:cNvCxnSpPr>
+                <p:nvPr/>
+              </p:nvCxnSpPr>
+              <p:spPr>
+                <a:xfrm flipH="1">
+                  <a:off x="2073131" y="2141022"/>
+                  <a:ext cx="2770" cy="471775"/>
+                </a:xfrm>
+                <a:prstGeom prst="straightConnector1">
+                  <a:avLst/>
+                </a:prstGeom>
+                <a:ln w="12700">
+                  <a:tailEnd type="triangle"/>
+                </a:ln>
+              </p:spPr>
+              <p:style>
+                <a:lnRef idx="1">
+                  <a:schemeClr val="accent1"/>
+                </a:lnRef>
+                <a:fillRef idx="0">
+                  <a:schemeClr val="accent1"/>
+                </a:fillRef>
+                <a:effectRef idx="0">
+                  <a:schemeClr val="accent1"/>
+                </a:effectRef>
+                <a:fontRef idx="minor">
+                  <a:schemeClr val="tx1"/>
+                </a:fontRef>
+              </p:style>
+            </p:cxnSp>
+            <p:cxnSp>
+              <p:nvCxnSpPr>
+                <p:cNvPr id="26" name="直接箭头连接符 25"/>
+                <p:cNvCxnSpPr>
+                  <a:stCxn id="12" idx="0"/>
+                  <a:endCxn id="13" idx="0"/>
+                </p:cNvCxnSpPr>
+                <p:nvPr/>
+              </p:nvCxnSpPr>
+              <p:spPr>
+                <a:xfrm flipH="1">
+                  <a:off x="2069723" y="3648178"/>
+                  <a:ext cx="3408" cy="433192"/>
+                </a:xfrm>
+                <a:prstGeom prst="straightConnector1">
+                  <a:avLst/>
+                </a:prstGeom>
+                <a:ln w="12700">
+                  <a:tailEnd type="triangle"/>
+                </a:ln>
+              </p:spPr>
+              <p:style>
+                <a:lnRef idx="1">
+                  <a:schemeClr val="accent1"/>
+                </a:lnRef>
+                <a:fillRef idx="0">
+                  <a:schemeClr val="accent1"/>
+                </a:fillRef>
+                <a:effectRef idx="0">
+                  <a:schemeClr val="accent1"/>
+                </a:effectRef>
+                <a:fontRef idx="minor">
+                  <a:schemeClr val="tx1"/>
+                </a:fontRef>
+              </p:style>
+            </p:cxnSp>
+            <p:cxnSp>
+              <p:nvCxnSpPr>
+                <p:cNvPr id="27" name="直接箭头连接符 26"/>
+                <p:cNvCxnSpPr>
+                  <a:stCxn id="13" idx="2"/>
+                  <a:endCxn id="14" idx="2"/>
+                </p:cNvCxnSpPr>
+                <p:nvPr/>
+              </p:nvCxnSpPr>
+              <p:spPr>
+                <a:xfrm>
+                  <a:off x="2069723" y="4625026"/>
+                  <a:ext cx="3817" cy="606271"/>
+                </a:xfrm>
+                <a:prstGeom prst="straightConnector1">
+                  <a:avLst/>
+                </a:prstGeom>
+                <a:ln w="12700">
+                  <a:tailEnd type="triangle"/>
+                </a:ln>
+              </p:spPr>
+              <p:style>
+                <a:lnRef idx="1">
+                  <a:schemeClr val="accent1"/>
+                </a:lnRef>
+                <a:fillRef idx="0">
+                  <a:schemeClr val="accent1"/>
+                </a:fillRef>
+                <a:effectRef idx="0">
+                  <a:schemeClr val="accent1"/>
+                </a:effectRef>
+                <a:fontRef idx="minor">
+                  <a:schemeClr val="tx1"/>
+                </a:fontRef>
+              </p:style>
+            </p:cxnSp>
+            <p:cxnSp>
+              <p:nvCxnSpPr>
+                <p:cNvPr id="28" name="直接箭头连接符 27"/>
+                <p:cNvCxnSpPr>
+                  <a:stCxn id="14" idx="0"/>
+                  <a:endCxn id="15" idx="0"/>
+                </p:cNvCxnSpPr>
+                <p:nvPr/>
+              </p:nvCxnSpPr>
+              <p:spPr>
+                <a:xfrm>
+                  <a:off x="2073540" y="6266678"/>
+                  <a:ext cx="4221" cy="921740"/>
+                </a:xfrm>
+                <a:prstGeom prst="straightConnector1">
+                  <a:avLst/>
+                </a:prstGeom>
+                <a:ln w="12700">
+                  <a:tailEnd type="triangle"/>
+                </a:ln>
+              </p:spPr>
+              <p:style>
+                <a:lnRef idx="1">
+                  <a:schemeClr val="accent1"/>
+                </a:lnRef>
+                <a:fillRef idx="0">
+                  <a:schemeClr val="accent1"/>
+                </a:fillRef>
+                <a:effectRef idx="0">
+                  <a:schemeClr val="accent1"/>
+                </a:effectRef>
+                <a:fontRef idx="minor">
+                  <a:schemeClr val="tx1"/>
+                </a:fontRef>
+              </p:style>
+            </p:cxnSp>
+            <p:cxnSp>
+              <p:nvCxnSpPr>
+                <p:cNvPr id="29" name="直接箭头连接符 28"/>
+                <p:cNvCxnSpPr>
+                  <a:stCxn id="15" idx="2"/>
+                  <a:endCxn id="16" idx="2"/>
+                </p:cNvCxnSpPr>
+                <p:nvPr/>
+              </p:nvCxnSpPr>
+              <p:spPr>
+                <a:xfrm>
+                  <a:off x="2077761" y="7732074"/>
+                  <a:ext cx="3407" cy="619959"/>
+                </a:xfrm>
+                <a:prstGeom prst="straightConnector1">
+                  <a:avLst/>
+                </a:prstGeom>
+                <a:ln w="12700">
+                  <a:tailEnd type="triangle"/>
+                </a:ln>
+              </p:spPr>
+              <p:style>
+                <a:lnRef idx="1">
+                  <a:schemeClr val="accent1"/>
+                </a:lnRef>
+                <a:fillRef idx="0">
+                  <a:schemeClr val="accent1"/>
+                </a:fillRef>
+                <a:effectRef idx="0">
+                  <a:schemeClr val="accent1"/>
+                </a:effectRef>
+                <a:fontRef idx="minor">
+                  <a:schemeClr val="tx1"/>
+                </a:fontRef>
+              </p:style>
+            </p:cxnSp>
+            <p:cxnSp>
+              <p:nvCxnSpPr>
+                <p:cNvPr id="30" name="直接箭头连接符 29"/>
+                <p:cNvCxnSpPr>
+                  <a:stCxn id="16" idx="0"/>
+                  <a:endCxn id="17" idx="0"/>
+                </p:cNvCxnSpPr>
+                <p:nvPr/>
+              </p:nvCxnSpPr>
+              <p:spPr>
+                <a:xfrm>
+                  <a:off x="2081168" y="9387414"/>
+                  <a:ext cx="8126" cy="462035"/>
+                </a:xfrm>
+                <a:prstGeom prst="straightConnector1">
+                  <a:avLst/>
+                </a:prstGeom>
+                <a:ln w="12700">
+                  <a:tailEnd type="triangle"/>
+                </a:ln>
+              </p:spPr>
+              <p:style>
+                <a:lnRef idx="1">
+                  <a:schemeClr val="accent1"/>
+                </a:lnRef>
+                <a:fillRef idx="0">
+                  <a:schemeClr val="accent1"/>
+                </a:fillRef>
+                <a:effectRef idx="0">
+                  <a:schemeClr val="accent1"/>
+                </a:effectRef>
+                <a:fontRef idx="minor">
+                  <a:schemeClr val="tx1"/>
+                </a:fontRef>
+              </p:style>
+            </p:cxnSp>
+            <p:cxnSp>
+              <p:nvCxnSpPr>
+                <p:cNvPr id="34" name="直接箭头连接符 33"/>
+                <p:cNvCxnSpPr>
+                  <a:stCxn id="20" idx="2"/>
+                  <a:endCxn id="155" idx="2"/>
+                </p:cNvCxnSpPr>
+                <p:nvPr/>
+              </p:nvCxnSpPr>
+              <p:spPr>
+                <a:xfrm flipV="1">
+                  <a:off x="5458351" y="7965739"/>
+                  <a:ext cx="0" cy="382548"/>
+                </a:xfrm>
+                <a:prstGeom prst="straightConnector1">
+                  <a:avLst/>
+                </a:prstGeom>
+                <a:ln w="12700">
+                  <a:tailEnd type="triangle"/>
+                </a:ln>
+              </p:spPr>
+              <p:style>
+                <a:lnRef idx="1">
+                  <a:schemeClr val="accent1"/>
+                </a:lnRef>
+                <a:fillRef idx="0">
+                  <a:schemeClr val="accent1"/>
+                </a:fillRef>
+                <a:effectRef idx="0">
+                  <a:schemeClr val="accent1"/>
+                </a:effectRef>
+                <a:fontRef idx="minor">
+                  <a:schemeClr val="tx1"/>
+                </a:fontRef>
+              </p:style>
+            </p:cxnSp>
+            <p:cxnSp>
+              <p:nvCxnSpPr>
+                <p:cNvPr id="36" name="直接箭头连接符 35"/>
+                <p:cNvCxnSpPr>
+                  <a:stCxn id="18" idx="2"/>
+                  <a:endCxn id="158" idx="2"/>
+                </p:cNvCxnSpPr>
+                <p:nvPr/>
+              </p:nvCxnSpPr>
+              <p:spPr>
+                <a:xfrm flipH="1" flipV="1">
+                  <a:off x="5451733" y="5170012"/>
+                  <a:ext cx="4663" cy="314804"/>
+                </a:xfrm>
+                <a:prstGeom prst="straightConnector1">
+                  <a:avLst/>
+                </a:prstGeom>
+                <a:ln w="12700">
+                  <a:tailEnd type="triangle"/>
+                </a:ln>
+              </p:spPr>
+              <p:style>
+                <a:lnRef idx="1">
+                  <a:schemeClr val="accent1"/>
+                </a:lnRef>
+                <a:fillRef idx="0">
+                  <a:schemeClr val="accent1"/>
+                </a:fillRef>
+                <a:effectRef idx="0">
+                  <a:schemeClr val="accent1"/>
+                </a:effectRef>
+                <a:fontRef idx="minor">
+                  <a:schemeClr val="tx1"/>
+                </a:fontRef>
+              </p:style>
+            </p:cxnSp>
+            <p:cxnSp>
+              <p:nvCxnSpPr>
+                <p:cNvPr id="38" name="直接箭头连接符 37"/>
+                <p:cNvCxnSpPr>
+                  <a:stCxn id="19" idx="2"/>
+                  <a:endCxn id="21" idx="2"/>
+                </p:cNvCxnSpPr>
+                <p:nvPr/>
+              </p:nvCxnSpPr>
+              <p:spPr>
+                <a:xfrm flipV="1">
+                  <a:off x="5451733" y="2164075"/>
+                  <a:ext cx="4122" cy="378158"/>
+                </a:xfrm>
+                <a:prstGeom prst="straightConnector1">
+                  <a:avLst/>
+                </a:prstGeom>
+                <a:ln w="12700">
+                  <a:tailEnd type="triangle"/>
+                </a:ln>
+              </p:spPr>
+              <p:style>
+                <a:lnRef idx="1">
+                  <a:schemeClr val="accent1"/>
+                </a:lnRef>
+                <a:fillRef idx="0">
+                  <a:schemeClr val="accent1"/>
+                </a:fillRef>
+                <a:effectRef idx="0">
+                  <a:schemeClr val="accent1"/>
+                </a:effectRef>
+                <a:fontRef idx="minor">
+                  <a:schemeClr val="tx1"/>
+                </a:fontRef>
+              </p:style>
+            </p:cxnSp>
+            <p:sp>
+              <p:nvSpPr>
+                <p:cNvPr id="39" name="文本框 38"/>
+                <p:cNvSpPr txBox="1"/>
+                <p:nvPr/>
+              </p:nvSpPr>
+              <p:spPr>
+                <a:xfrm>
+                  <a:off x="1756517" y="2890285"/>
+                  <a:ext cx="932468" cy="400110"/>
+                </a:xfrm>
+                <a:prstGeom prst="rect">
+                  <a:avLst/>
+                </a:prstGeom>
+                <a:noFill/>
+              </p:spPr>
+              <p:txBody>
+                <a:bodyPr wrap="square" rtlCol="0">
+                  <a:spAutoFit/>
+                </a:bodyPr>
+                <a:lstStyle/>
+                <a:p>
+                  <a:r>
+                    <a:rPr lang="zh-CN" altLang="en-US" sz="2000" dirty="0" smtClean="0">
+                      <a:latin typeface="+mn-ea"/>
+                    </a:rPr>
+                    <a:t>卷积</a:t>
+                  </a:r>
+                  <a:endParaRPr lang="zh-CN" altLang="en-US" sz="2000" dirty="0">
+                    <a:latin typeface="+mn-ea"/>
+                  </a:endParaRPr>
+                </a:p>
+              </p:txBody>
+            </p:sp>
+            <p:sp>
+              <p:nvSpPr>
+                <p:cNvPr id="40" name="文本框 39"/>
+                <p:cNvSpPr txBox="1"/>
+                <p:nvPr/>
+              </p:nvSpPr>
+              <p:spPr>
+                <a:xfrm>
+                  <a:off x="1744795" y="5539887"/>
+                  <a:ext cx="932468" cy="400110"/>
+                </a:xfrm>
+                <a:prstGeom prst="rect">
+                  <a:avLst/>
+                </a:prstGeom>
+                <a:noFill/>
+              </p:spPr>
+              <p:txBody>
+                <a:bodyPr wrap="square" rtlCol="0">
+                  <a:spAutoFit/>
+                </a:bodyPr>
+                <a:lstStyle/>
+                <a:p>
+                  <a:r>
+                    <a:rPr lang="zh-CN" altLang="en-US" sz="2000" dirty="0" smtClean="0">
+                      <a:latin typeface="+mn-ea"/>
+                    </a:rPr>
+                    <a:t>卷积</a:t>
+                  </a:r>
+                  <a:endParaRPr lang="zh-CN" altLang="en-US" sz="2000" dirty="0">
+                    <a:latin typeface="+mn-ea"/>
+                  </a:endParaRPr>
+                </a:p>
+              </p:txBody>
+            </p:sp>
+            <p:sp>
+              <p:nvSpPr>
+                <p:cNvPr id="41" name="文本框 40"/>
+                <p:cNvSpPr txBox="1"/>
+                <p:nvPr/>
+              </p:nvSpPr>
+              <p:spPr>
+                <a:xfrm>
+                  <a:off x="1721095" y="8643703"/>
+                  <a:ext cx="932468" cy="400110"/>
+                </a:xfrm>
+                <a:prstGeom prst="rect">
+                  <a:avLst/>
+                </a:prstGeom>
+                <a:noFill/>
+              </p:spPr>
+              <p:txBody>
+                <a:bodyPr wrap="square" rtlCol="0">
+                  <a:spAutoFit/>
+                </a:bodyPr>
+                <a:lstStyle/>
+                <a:p>
+                  <a:r>
+                    <a:rPr lang="zh-CN" altLang="en-US" sz="2000" dirty="0" smtClean="0">
+                      <a:latin typeface="+mn-ea"/>
+                    </a:rPr>
+                    <a:t>卷积</a:t>
+                  </a:r>
+                  <a:endParaRPr lang="zh-CN" altLang="en-US" sz="2000" dirty="0">
+                    <a:latin typeface="+mn-ea"/>
+                  </a:endParaRPr>
+                </a:p>
+              </p:txBody>
+            </p:sp>
+            <p:sp>
+              <p:nvSpPr>
+                <p:cNvPr id="42" name="文本框 41"/>
+                <p:cNvSpPr txBox="1"/>
+                <p:nvPr/>
+              </p:nvSpPr>
+              <p:spPr>
+                <a:xfrm>
+                  <a:off x="4985708" y="2838456"/>
+                  <a:ext cx="1345926" cy="400110"/>
+                </a:xfrm>
+                <a:prstGeom prst="rect">
+                  <a:avLst/>
+                </a:prstGeom>
+                <a:noFill/>
+              </p:spPr>
+              <p:txBody>
+                <a:bodyPr wrap="square" rtlCol="0">
+                  <a:spAutoFit/>
+                </a:bodyPr>
+                <a:lstStyle/>
+                <a:p>
+                  <a:r>
+                    <a:rPr lang="zh-CN" altLang="en-US" sz="2000" dirty="0">
+                      <a:latin typeface="+mn-ea"/>
+                    </a:rPr>
+                    <a:t>反卷积</a:t>
+                  </a:r>
+                  <a:endParaRPr lang="zh-CN" altLang="en-US" sz="2000" dirty="0">
+                    <a:latin typeface="+mn-ea"/>
+                  </a:endParaRPr>
+                </a:p>
+              </p:txBody>
+            </p:sp>
+            <p:sp>
+              <p:nvSpPr>
+                <p:cNvPr id="43" name="文本框 42"/>
+                <p:cNvSpPr txBox="1"/>
+                <p:nvPr/>
+              </p:nvSpPr>
+              <p:spPr>
+                <a:xfrm>
+                  <a:off x="4987631" y="5762802"/>
+                  <a:ext cx="1345926" cy="400110"/>
+                </a:xfrm>
+                <a:prstGeom prst="rect">
+                  <a:avLst/>
+                </a:prstGeom>
+                <a:noFill/>
+              </p:spPr>
+              <p:txBody>
+                <a:bodyPr wrap="square" rtlCol="0">
+                  <a:spAutoFit/>
+                </a:bodyPr>
+                <a:lstStyle/>
+                <a:p>
+                  <a:r>
+                    <a:rPr lang="zh-CN" altLang="en-US" sz="2000" dirty="0">
+                      <a:latin typeface="+mn-ea"/>
+                    </a:rPr>
+                    <a:t>反卷积</a:t>
+                  </a:r>
+                  <a:endParaRPr lang="zh-CN" altLang="en-US" sz="2000" dirty="0">
+                    <a:latin typeface="+mn-ea"/>
+                  </a:endParaRPr>
+                </a:p>
+              </p:txBody>
+            </p:sp>
+            <p:sp>
+              <p:nvSpPr>
+                <p:cNvPr id="44" name="文本框 43"/>
+                <p:cNvSpPr txBox="1"/>
+                <p:nvPr/>
+              </p:nvSpPr>
+              <p:spPr>
+                <a:xfrm>
+                  <a:off x="4985708" y="8652857"/>
+                  <a:ext cx="1345926" cy="400110"/>
+                </a:xfrm>
+                <a:prstGeom prst="rect">
+                  <a:avLst/>
+                </a:prstGeom>
+                <a:noFill/>
+              </p:spPr>
+              <p:txBody>
+                <a:bodyPr wrap="square" rtlCol="0">
+                  <a:spAutoFit/>
+                </a:bodyPr>
+                <a:lstStyle/>
+                <a:p>
+                  <a:r>
+                    <a:rPr lang="zh-CN" altLang="en-US" sz="2000" dirty="0">
+                      <a:latin typeface="+mn-ea"/>
+                    </a:rPr>
+                    <a:t>反卷积</a:t>
+                  </a:r>
+                  <a:endParaRPr lang="zh-CN" altLang="en-US" sz="2000" dirty="0">
+                    <a:latin typeface="+mn-ea"/>
+                  </a:endParaRPr>
+                </a:p>
+              </p:txBody>
+            </p:sp>
+            <p:sp>
+              <p:nvSpPr>
+                <p:cNvPr id="45" name="文本框 44"/>
+                <p:cNvSpPr txBox="1"/>
+                <p:nvPr/>
+              </p:nvSpPr>
+              <p:spPr>
+                <a:xfrm>
+                  <a:off x="2767926" y="1418831"/>
+                  <a:ext cx="1617011" cy="400110"/>
+                </a:xfrm>
+                <a:prstGeom prst="rect">
+                  <a:avLst/>
+                </a:prstGeom>
+                <a:noFill/>
+              </p:spPr>
+              <p:txBody>
+                <a:bodyPr wrap="square" rtlCol="0">
+                  <a:spAutoFit/>
+                </a:bodyPr>
+                <a:lstStyle/>
+                <a:p>
+                  <a:r>
+                    <a:rPr lang="en-US" altLang="zh-CN" sz="2000" dirty="0" smtClean="0"/>
+                    <a:t>256x256</a:t>
+                  </a:r>
+                  <a:endParaRPr lang="zh-CN" altLang="en-US" sz="2000" dirty="0"/>
+                </a:p>
+              </p:txBody>
+            </p:sp>
+            <p:sp>
+              <p:nvSpPr>
+                <p:cNvPr id="155" name="矩形 154"/>
+                <p:cNvSpPr/>
+                <p:nvPr/>
+              </p:nvSpPr>
+              <p:spPr>
+                <a:xfrm>
+                  <a:off x="4695122" y="7422083"/>
+                  <a:ext cx="1526458" cy="543656"/>
+                </a:xfrm>
+                <a:prstGeom prst="rect">
+                  <a:avLst/>
+                </a:prstGeom>
+              </p:spPr>
+              <p:style>
+                <a:lnRef idx="2">
+                  <a:schemeClr val="accent4">
+                    <a:shade val="50000"/>
+                  </a:schemeClr>
+                </a:lnRef>
+                <a:fillRef idx="1">
+                  <a:schemeClr val="accent4"/>
+                </a:fillRef>
+                <a:effectRef idx="0">
+                  <a:schemeClr val="accent4"/>
+                </a:effectRef>
+                <a:fontRef idx="minor">
+                  <a:schemeClr val="lt1"/>
+                </a:fontRef>
+              </p:style>
+              <p:txBody>
+                <a:bodyPr rtlCol="0" anchor="ctr"/>
+                <a:lstStyle/>
+                <a:p>
+                  <a:pPr algn="ctr"/>
+                  <a:r>
+                    <a:rPr lang="en-US" altLang="zh-CN" sz="2000" dirty="0">
+                      <a:solidFill>
+                        <a:schemeClr val="tx1"/>
+                      </a:solidFill>
+                      <a:latin typeface="+mn-ea"/>
+                    </a:rPr>
+                    <a:t>32x32x512</a:t>
+                  </a:r>
+                  <a:endParaRPr lang="zh-CN" altLang="en-US" sz="2000" dirty="0">
+                    <a:solidFill>
+                      <a:schemeClr val="tx1"/>
+                    </a:solidFill>
+                    <a:latin typeface="+mn-ea"/>
+                  </a:endParaRPr>
+                </a:p>
+              </p:txBody>
+            </p:sp>
+            <p:sp>
+              <p:nvSpPr>
+                <p:cNvPr id="158" name="矩形 157"/>
+                <p:cNvSpPr/>
+                <p:nvPr/>
+              </p:nvSpPr>
+              <p:spPr>
+                <a:xfrm>
+                  <a:off x="4753530" y="4626356"/>
+                  <a:ext cx="1396406" cy="543656"/>
+                </a:xfrm>
+                <a:prstGeom prst="rect">
+                  <a:avLst/>
+                </a:prstGeom>
+              </p:spPr>
+              <p:style>
+                <a:lnRef idx="2">
+                  <a:schemeClr val="accent4">
+                    <a:shade val="50000"/>
+                  </a:schemeClr>
+                </a:lnRef>
+                <a:fillRef idx="1">
+                  <a:schemeClr val="accent4"/>
+                </a:fillRef>
+                <a:effectRef idx="0">
+                  <a:schemeClr val="accent4"/>
+                </a:effectRef>
+                <a:fontRef idx="minor">
+                  <a:schemeClr val="lt1"/>
+                </a:fontRef>
+              </p:style>
+              <p:txBody>
+                <a:bodyPr rtlCol="0" anchor="ctr"/>
+                <a:lstStyle/>
+                <a:p>
+                  <a:pPr algn="ctr"/>
+                  <a:r>
+                    <a:rPr lang="en-US" altLang="zh-CN" sz="2000" dirty="0" smtClean="0">
+                      <a:solidFill>
+                        <a:schemeClr val="tx1"/>
+                      </a:solidFill>
+                      <a:latin typeface="+mn-ea"/>
+                    </a:rPr>
+                    <a:t>64x64x256</a:t>
+                  </a:r>
+                  <a:endParaRPr lang="en-US" altLang="zh-CN" sz="2000" dirty="0">
+                    <a:solidFill>
+                      <a:schemeClr val="tx1"/>
+                    </a:solidFill>
+                    <a:latin typeface="+mn-ea"/>
+                  </a:endParaRPr>
+                </a:p>
+              </p:txBody>
+            </p:sp>
+            <p:sp>
+              <p:nvSpPr>
+                <p:cNvPr id="162" name="矩形 161"/>
+                <p:cNvSpPr/>
+                <p:nvPr/>
+              </p:nvSpPr>
+              <p:spPr>
+                <a:xfrm>
+                  <a:off x="8897810" y="3005272"/>
+                  <a:ext cx="1508252" cy="513357"/>
+                </a:xfrm>
+                <a:prstGeom prst="rect">
+                  <a:avLst/>
+                </a:prstGeom>
+              </p:spPr>
+              <p:style>
+                <a:lnRef idx="2">
+                  <a:schemeClr val="accent1">
+                    <a:shade val="50000"/>
+                  </a:schemeClr>
+                </a:lnRef>
+                <a:fillRef idx="1">
+                  <a:schemeClr val="accent1"/>
+                </a:fillRef>
+                <a:effectRef idx="0">
+                  <a:schemeClr val="accent1"/>
+                </a:effectRef>
+                <a:fontRef idx="minor">
+                  <a:schemeClr val="lt1"/>
+                </a:fontRef>
+              </p:style>
+              <p:txBody>
+                <a:bodyPr rtlCol="0" anchor="ctr"/>
+                <a:lstStyle/>
+                <a:p>
+                  <a:pPr algn="ctr"/>
+                  <a:endParaRPr lang="zh-CN" altLang="en-US"/>
+                </a:p>
+              </p:txBody>
+            </p:sp>
+            <p:sp>
+              <p:nvSpPr>
+                <p:cNvPr id="163" name="文本框 162"/>
+                <p:cNvSpPr txBox="1"/>
+                <p:nvPr/>
+              </p:nvSpPr>
+              <p:spPr>
+                <a:xfrm>
+                  <a:off x="4876461" y="522993"/>
+                  <a:ext cx="1617011" cy="400110"/>
+                </a:xfrm>
+                <a:prstGeom prst="rect">
+                  <a:avLst/>
+                </a:prstGeom>
+                <a:noFill/>
+              </p:spPr>
+              <p:txBody>
+                <a:bodyPr wrap="square" rtlCol="0">
+                  <a:spAutoFit/>
+                </a:bodyPr>
+                <a:lstStyle/>
+                <a:p>
+                  <a:r>
+                    <a:rPr lang="zh-CN" altLang="en-US" sz="2000" dirty="0" smtClean="0"/>
+                    <a:t>分割结果</a:t>
+                  </a:r>
+                  <a:endParaRPr lang="zh-CN" altLang="en-US" sz="2000" dirty="0"/>
+                </a:p>
+              </p:txBody>
+            </p:sp>
+            <p:sp>
+              <p:nvSpPr>
+                <p:cNvPr id="164" name="文本框 163"/>
+                <p:cNvSpPr txBox="1"/>
+                <p:nvPr/>
+              </p:nvSpPr>
+              <p:spPr>
+                <a:xfrm>
+                  <a:off x="3386063" y="8624521"/>
+                  <a:ext cx="1553805" cy="400110"/>
+                </a:xfrm>
+                <a:prstGeom prst="rect">
+                  <a:avLst/>
+                </a:prstGeom>
+                <a:noFill/>
+              </p:spPr>
+              <p:txBody>
+                <a:bodyPr wrap="square" rtlCol="0">
+                  <a:spAutoFit/>
+                </a:bodyPr>
+                <a:lstStyle/>
+                <a:p>
+                  <a:r>
+                    <a:rPr lang="en-US" altLang="zh-CN" sz="2000" b="1" dirty="0" smtClean="0"/>
+                    <a:t>2x </a:t>
+                  </a:r>
+                  <a:r>
+                    <a:rPr lang="zh-CN" altLang="en-US" sz="2000" b="1" dirty="0" smtClean="0"/>
+                    <a:t>上采样</a:t>
+                  </a:r>
+                  <a:r>
+                    <a:rPr lang="en-US" altLang="zh-CN" sz="2000" b="1" dirty="0" smtClean="0"/>
+                    <a:t> </a:t>
+                  </a:r>
+                  <a:endParaRPr lang="zh-CN" altLang="en-US" sz="2000" b="1" dirty="0"/>
+                </a:p>
+              </p:txBody>
+            </p:sp>
+            <p:sp>
+              <p:nvSpPr>
+                <p:cNvPr id="166" name="文本框 165"/>
+                <p:cNvSpPr txBox="1"/>
+                <p:nvPr/>
+              </p:nvSpPr>
+              <p:spPr>
+                <a:xfrm>
+                  <a:off x="3345804" y="5775126"/>
+                  <a:ext cx="1553805" cy="400110"/>
+                </a:xfrm>
+                <a:prstGeom prst="rect">
+                  <a:avLst/>
+                </a:prstGeom>
+                <a:noFill/>
+              </p:spPr>
+              <p:txBody>
+                <a:bodyPr wrap="square" rtlCol="0">
+                  <a:spAutoFit/>
+                </a:bodyPr>
+                <a:lstStyle/>
+                <a:p>
+                  <a:r>
+                    <a:rPr lang="en-US" altLang="zh-CN" sz="2000" b="1" dirty="0" smtClean="0"/>
+                    <a:t>4x </a:t>
+                  </a:r>
+                  <a:r>
+                    <a:rPr lang="zh-CN" altLang="en-US" sz="2000" b="1" dirty="0" smtClean="0"/>
+                    <a:t>上采样</a:t>
+                  </a:r>
+                  <a:r>
+                    <a:rPr lang="en-US" altLang="zh-CN" sz="2000" b="1" dirty="0" smtClean="0"/>
+                    <a:t> </a:t>
+                  </a:r>
+                  <a:endParaRPr lang="zh-CN" altLang="en-US" sz="2000" b="1" dirty="0"/>
+                </a:p>
+              </p:txBody>
+            </p:sp>
+            <p:graphicFrame>
+              <p:nvGraphicFramePr>
+                <p:cNvPr id="168" name="对象 167"/>
+                <p:cNvGraphicFramePr>
+                  <a:graphicFrameLocks noChangeAspect="1"/>
+                </p:cNvGraphicFramePr>
+                <p:nvPr>
+                  <p:extLst>
+                    <p:ext uri="{D42A27DB-BD31-4B8C-83A1-F6EECF244321}">
+                      <p14:modId xmlns:p14="http://schemas.microsoft.com/office/powerpoint/2010/main" val="1740363672"/>
+                    </p:ext>
+                  </p:extLst>
+                </p:nvPr>
+              </p:nvGraphicFramePr>
+              <p:xfrm>
+                <a:off x="6925274" y="4429604"/>
+                <a:ext cx="921872" cy="859955"/>
+              </p:xfrm>
+              <a:graphic>
+                <a:graphicData uri="http://schemas.openxmlformats.org/presentationml/2006/ole">
+                  <mc:AlternateContent xmlns:mc="http://schemas.openxmlformats.org/markup-compatibility/2006">
+                    <mc:Choice xmlns:v="urn:schemas-microsoft-com:vml" Requires="v">
+                      <p:oleObj spid="_x0000_s1088" r:id="rId9" imgW="1701360" imgH="1587240" progId="">
+                        <p:embed/>
+                      </p:oleObj>
+                    </mc:Choice>
+                    <mc:Fallback>
+                      <p:oleObj r:id="rId9" imgW="1701360" imgH="1587240" progId="">
+                        <p:embed/>
+                        <p:pic>
+                          <p:nvPicPr>
+                            <p:cNvPr id="0" name=""/>
+                            <p:cNvPicPr/>
+                            <p:nvPr/>
+                          </p:nvPicPr>
+                          <p:blipFill>
+                            <a:blip r:embed="rId10"/>
+                            <a:stretch>
+                              <a:fillRect/>
+                            </a:stretch>
+                          </p:blipFill>
+                          <p:spPr>
+                            <a:xfrm>
+                              <a:off x="6925274" y="4429604"/>
+                              <a:ext cx="921872" cy="859955"/>
+                            </a:xfrm>
+                            <a:prstGeom prst="rect">
+                              <a:avLst/>
+                            </a:prstGeom>
+                          </p:spPr>
+                        </p:pic>
+                      </p:oleObj>
+                    </mc:Fallback>
+                  </mc:AlternateContent>
+                </a:graphicData>
+              </a:graphic>
+            </p:graphicFrame>
+            <p:sp>
+              <p:nvSpPr>
+                <p:cNvPr id="173" name="文本框 172"/>
+                <p:cNvSpPr txBox="1"/>
+                <p:nvPr/>
+              </p:nvSpPr>
+              <p:spPr>
+                <a:xfrm>
+                  <a:off x="9038371" y="522993"/>
+                  <a:ext cx="1252053" cy="400110"/>
+                </a:xfrm>
+                <a:prstGeom prst="rect">
+                  <a:avLst/>
+                </a:prstGeom>
+                <a:noFill/>
+              </p:spPr>
+              <p:txBody>
+                <a:bodyPr wrap="square" rtlCol="0">
+                  <a:spAutoFit/>
+                </a:bodyPr>
+                <a:lstStyle/>
+                <a:p>
+                  <a:r>
+                    <a:rPr lang="zh-CN" altLang="en-US" sz="2000" dirty="0"/>
+                    <a:t>边界</a:t>
+                  </a:r>
+                  <a:r>
+                    <a:rPr lang="zh-CN" altLang="en-US" sz="2000" dirty="0" smtClean="0"/>
+                    <a:t>信息</a:t>
+                  </a:r>
+                  <a:endParaRPr lang="zh-CN" altLang="en-US" sz="2000" dirty="0"/>
+                </a:p>
+              </p:txBody>
+            </p:sp>
+            <p:sp>
+              <p:nvSpPr>
+                <p:cNvPr id="180" name="文本框 179"/>
+                <p:cNvSpPr txBox="1"/>
+                <p:nvPr/>
+              </p:nvSpPr>
+              <p:spPr>
+                <a:xfrm>
+                  <a:off x="3290501" y="2785626"/>
+                  <a:ext cx="1553805" cy="400110"/>
+                </a:xfrm>
+                <a:prstGeom prst="rect">
+                  <a:avLst/>
+                </a:prstGeom>
+                <a:noFill/>
+              </p:spPr>
+              <p:txBody>
+                <a:bodyPr wrap="square" rtlCol="0">
+                  <a:spAutoFit/>
+                </a:bodyPr>
+                <a:lstStyle/>
+                <a:p>
+                  <a:r>
+                    <a:rPr lang="en-US" altLang="zh-CN" sz="2000" b="1" dirty="0" smtClean="0"/>
+                    <a:t>16x </a:t>
+                  </a:r>
+                  <a:r>
+                    <a:rPr lang="zh-CN" altLang="en-US" sz="2000" b="1" dirty="0" smtClean="0"/>
+                    <a:t>上采样</a:t>
+                  </a:r>
+                  <a:r>
+                    <a:rPr lang="en-US" altLang="zh-CN" sz="2000" b="1" dirty="0" smtClean="0"/>
+                    <a:t> </a:t>
+                  </a:r>
+                  <a:endParaRPr lang="zh-CN" altLang="en-US" sz="2000" b="1" dirty="0"/>
+                </a:p>
+              </p:txBody>
+            </p:sp>
+            <p:graphicFrame>
+              <p:nvGraphicFramePr>
+                <p:cNvPr id="189" name="对象 188"/>
+                <p:cNvGraphicFramePr>
+                  <a:graphicFrameLocks noChangeAspect="1"/>
+                </p:cNvGraphicFramePr>
+                <p:nvPr>
+                  <p:extLst>
+                    <p:ext uri="{D42A27DB-BD31-4B8C-83A1-F6EECF244321}">
+                      <p14:modId xmlns:p14="http://schemas.microsoft.com/office/powerpoint/2010/main" val="2032816647"/>
+                    </p:ext>
+                  </p:extLst>
+                </p:nvPr>
+              </p:nvGraphicFramePr>
+              <p:xfrm>
+                <a:off x="7003100" y="7394686"/>
+                <a:ext cx="641538" cy="598450"/>
+              </p:xfrm>
+              <a:graphic>
+                <a:graphicData uri="http://schemas.openxmlformats.org/presentationml/2006/ole">
+                  <mc:AlternateContent xmlns:mc="http://schemas.openxmlformats.org/markup-compatibility/2006">
+                    <mc:Choice xmlns:v="urn:schemas-microsoft-com:vml" Requires="v">
+                      <p:oleObj spid="_x0000_s1089" r:id="rId11" imgW="1701360" imgH="1587240" progId="">
+                        <p:embed/>
+                      </p:oleObj>
+                    </mc:Choice>
+                    <mc:Fallback>
+                      <p:oleObj r:id="rId11" imgW="1701360" imgH="1587240" progId="">
+                        <p:embed/>
+                        <p:pic>
+                          <p:nvPicPr>
+                            <p:cNvPr id="172" name="对象 171"/>
+                            <p:cNvPicPr/>
+                            <p:nvPr/>
+                          </p:nvPicPr>
+                          <p:blipFill>
+                            <a:blip r:embed="rId12"/>
+                            <a:stretch>
+                              <a:fillRect/>
+                            </a:stretch>
+                          </p:blipFill>
+                          <p:spPr>
+                            <a:xfrm>
+                              <a:off x="7003100" y="7394686"/>
+                              <a:ext cx="641538" cy="598450"/>
+                            </a:xfrm>
+                            <a:prstGeom prst="rect">
+                              <a:avLst/>
+                            </a:prstGeom>
+                          </p:spPr>
+                        </p:pic>
+                      </p:oleObj>
+                    </mc:Fallback>
+                  </mc:AlternateContent>
+                </a:graphicData>
+              </a:graphic>
+            </p:graphicFrame>
+            <p:sp>
+              <p:nvSpPr>
+                <p:cNvPr id="197" name="矩形 196"/>
+                <p:cNvSpPr/>
+                <p:nvPr/>
+              </p:nvSpPr>
+              <p:spPr>
+                <a:xfrm>
+                  <a:off x="8897810" y="5951141"/>
+                  <a:ext cx="1508252" cy="513357"/>
+                </a:xfrm>
+                <a:prstGeom prst="rect">
+                  <a:avLst/>
+                </a:prstGeom>
+              </p:spPr>
+              <p:style>
+                <a:lnRef idx="2">
+                  <a:schemeClr val="accent1">
+                    <a:shade val="50000"/>
+                  </a:schemeClr>
+                </a:lnRef>
+                <a:fillRef idx="1">
+                  <a:schemeClr val="accent1"/>
+                </a:fillRef>
+                <a:effectRef idx="0">
+                  <a:schemeClr val="accent1"/>
+                </a:effectRef>
+                <a:fontRef idx="minor">
+                  <a:schemeClr val="lt1"/>
+                </a:fontRef>
+              </p:style>
+              <p:txBody>
+                <a:bodyPr rtlCol="0" anchor="ctr"/>
+                <a:lstStyle/>
+                <a:p>
+                  <a:pPr algn="ctr"/>
+                  <a:endParaRPr lang="zh-CN" altLang="en-US"/>
+                </a:p>
+              </p:txBody>
+            </p:sp>
+            <p:cxnSp>
+              <p:nvCxnSpPr>
+                <p:cNvPr id="199" name="直接箭头连接符 198"/>
+                <p:cNvCxnSpPr>
+                  <a:endCxn id="162" idx="0"/>
+                </p:cNvCxnSpPr>
+                <p:nvPr/>
+              </p:nvCxnSpPr>
+              <p:spPr>
+                <a:xfrm>
+                  <a:off x="9651936" y="2272006"/>
+                  <a:ext cx="0" cy="733266"/>
+                </a:xfrm>
+                <a:prstGeom prst="straightConnector1">
+                  <a:avLst/>
+                </a:prstGeom>
+                <a:ln w="12700">
+                  <a:tailEnd type="triangle"/>
+                </a:ln>
+              </p:spPr>
+              <p:style>
+                <a:lnRef idx="1">
+                  <a:schemeClr val="accent1"/>
+                </a:lnRef>
+                <a:fillRef idx="0">
+                  <a:schemeClr val="accent1"/>
+                </a:fillRef>
+                <a:effectRef idx="0">
+                  <a:schemeClr val="accent1"/>
+                </a:effectRef>
+                <a:fontRef idx="minor">
+                  <a:schemeClr val="tx1"/>
+                </a:fontRef>
+              </p:style>
+            </p:cxnSp>
+            <p:cxnSp>
+              <p:nvCxnSpPr>
+                <p:cNvPr id="201" name="直接箭头连接符 200"/>
+                <p:cNvCxnSpPr>
+                  <a:stCxn id="162" idx="2"/>
+                  <a:endCxn id="23" idx="0"/>
+                </p:cNvCxnSpPr>
+                <p:nvPr/>
+              </p:nvCxnSpPr>
+              <p:spPr>
+                <a:xfrm>
+                  <a:off x="9651936" y="3518629"/>
+                  <a:ext cx="1" cy="771210"/>
+                </a:xfrm>
+                <a:prstGeom prst="straightConnector1">
+                  <a:avLst/>
+                </a:prstGeom>
+                <a:ln w="12700">
+                  <a:tailEnd type="triangle"/>
+                </a:ln>
+              </p:spPr>
+              <p:style>
+                <a:lnRef idx="1">
+                  <a:schemeClr val="accent1"/>
+                </a:lnRef>
+                <a:fillRef idx="0">
+                  <a:schemeClr val="accent1"/>
+                </a:fillRef>
+                <a:effectRef idx="0">
+                  <a:schemeClr val="accent1"/>
+                </a:effectRef>
+                <a:fontRef idx="minor">
+                  <a:schemeClr val="tx1"/>
+                </a:fontRef>
+              </p:style>
+            </p:cxnSp>
+            <p:cxnSp>
+              <p:nvCxnSpPr>
+                <p:cNvPr id="207" name="直接箭头连接符 206"/>
+                <p:cNvCxnSpPr>
+                  <a:stCxn id="23" idx="2"/>
+                  <a:endCxn id="197" idx="0"/>
+                </p:cNvCxnSpPr>
+                <p:nvPr/>
+              </p:nvCxnSpPr>
+              <p:spPr>
+                <a:xfrm flipH="1">
+                  <a:off x="9651936" y="5231297"/>
+                  <a:ext cx="1" cy="719844"/>
+                </a:xfrm>
+                <a:prstGeom prst="straightConnector1">
+                  <a:avLst/>
+                </a:prstGeom>
+                <a:ln w="12700">
+                  <a:tailEnd type="triangle"/>
+                </a:ln>
+              </p:spPr>
+              <p:style>
+                <a:lnRef idx="1">
+                  <a:schemeClr val="accent1"/>
+                </a:lnRef>
+                <a:fillRef idx="0">
+                  <a:schemeClr val="accent1"/>
+                </a:fillRef>
+                <a:effectRef idx="0">
+                  <a:schemeClr val="accent1"/>
+                </a:effectRef>
+                <a:fontRef idx="minor">
+                  <a:schemeClr val="tx1"/>
+                </a:fontRef>
+              </p:style>
+            </p:cxnSp>
+            <p:cxnSp>
+              <p:nvCxnSpPr>
+                <p:cNvPr id="212" name="直接箭头连接符 211"/>
+                <p:cNvCxnSpPr>
+                  <a:stCxn id="197" idx="2"/>
+                  <a:endCxn id="24" idx="0"/>
+                </p:cNvCxnSpPr>
+                <p:nvPr/>
+              </p:nvCxnSpPr>
+              <p:spPr>
+                <a:xfrm>
+                  <a:off x="9651936" y="6464498"/>
+                  <a:ext cx="0" cy="687110"/>
+                </a:xfrm>
+                <a:prstGeom prst="straightConnector1">
+                  <a:avLst/>
+                </a:prstGeom>
+                <a:ln w="12700">
+                  <a:tailEnd type="triangle"/>
+                </a:ln>
+              </p:spPr>
+              <p:style>
+                <a:lnRef idx="1">
+                  <a:schemeClr val="accent1"/>
+                </a:lnRef>
+                <a:fillRef idx="0">
+                  <a:schemeClr val="accent1"/>
+                </a:fillRef>
+                <a:effectRef idx="0">
+                  <a:schemeClr val="accent1"/>
+                </a:effectRef>
+                <a:fontRef idx="minor">
+                  <a:schemeClr val="tx1"/>
+                </a:fontRef>
+              </p:style>
+            </p:cxnSp>
+            <p:sp>
+              <p:nvSpPr>
+                <p:cNvPr id="218" name="文本框 217"/>
+                <p:cNvSpPr txBox="1"/>
+                <p:nvPr/>
+              </p:nvSpPr>
+              <p:spPr>
+                <a:xfrm>
+                  <a:off x="9198247" y="3076729"/>
+                  <a:ext cx="1345926" cy="400110"/>
+                </a:xfrm>
+                <a:prstGeom prst="rect">
+                  <a:avLst/>
+                </a:prstGeom>
+                <a:noFill/>
+              </p:spPr>
+              <p:txBody>
+                <a:bodyPr wrap="square" rtlCol="0">
+                  <a:spAutoFit/>
+                </a:bodyPr>
+                <a:lstStyle/>
+                <a:p>
+                  <a:r>
+                    <a:rPr lang="zh-CN" altLang="en-US" sz="2000" dirty="0" smtClean="0">
+                      <a:latin typeface="+mn-ea"/>
+                    </a:rPr>
+                    <a:t>下采样</a:t>
+                  </a:r>
+                  <a:endParaRPr lang="zh-CN" altLang="en-US" sz="2000" dirty="0">
+                    <a:latin typeface="+mn-ea"/>
+                  </a:endParaRPr>
+                </a:p>
+              </p:txBody>
+            </p:sp>
+            <p:sp>
+              <p:nvSpPr>
+                <p:cNvPr id="220" name="文本框 219"/>
+                <p:cNvSpPr txBox="1"/>
+                <p:nvPr/>
+              </p:nvSpPr>
+              <p:spPr>
+                <a:xfrm>
+                  <a:off x="10260400" y="4546247"/>
+                  <a:ext cx="1572577" cy="400110"/>
+                </a:xfrm>
+                <a:prstGeom prst="rect">
+                  <a:avLst/>
+                </a:prstGeom>
+                <a:noFill/>
+              </p:spPr>
+              <p:txBody>
+                <a:bodyPr wrap="square" rtlCol="0">
+                  <a:spAutoFit/>
+                </a:bodyPr>
+                <a:lstStyle/>
+                <a:p>
+                  <a:r>
+                    <a:rPr lang="en-US" altLang="zh-CN" sz="2000" b="1" dirty="0" smtClean="0"/>
+                    <a:t>1/4x mask</a:t>
+                  </a:r>
+                  <a:endParaRPr lang="zh-CN" altLang="en-US" sz="2000" b="1" dirty="0"/>
+                </a:p>
+              </p:txBody>
+            </p:sp>
+            <p:sp>
+              <p:nvSpPr>
+                <p:cNvPr id="221" name="文本框 220"/>
+                <p:cNvSpPr txBox="1"/>
+                <p:nvPr/>
+              </p:nvSpPr>
+              <p:spPr>
+                <a:xfrm>
+                  <a:off x="10122235" y="7232794"/>
+                  <a:ext cx="1572577" cy="400110"/>
+                </a:xfrm>
+                <a:prstGeom prst="rect">
+                  <a:avLst/>
+                </a:prstGeom>
+                <a:noFill/>
+              </p:spPr>
+              <p:txBody>
+                <a:bodyPr wrap="square" rtlCol="0">
+                  <a:spAutoFit/>
+                </a:bodyPr>
+                <a:lstStyle/>
+                <a:p>
+                  <a:r>
+                    <a:rPr lang="en-US" altLang="zh-CN" sz="2000" b="1" dirty="0" smtClean="0"/>
+                    <a:t>1/8x mask</a:t>
+                  </a:r>
+                  <a:endParaRPr lang="zh-CN" altLang="en-US" sz="2000" b="1" dirty="0"/>
+                </a:p>
+              </p:txBody>
+            </p:sp>
+            <p:sp>
+              <p:nvSpPr>
+                <p:cNvPr id="227" name="矩形 226"/>
+                <p:cNvSpPr/>
+                <p:nvPr/>
+              </p:nvSpPr>
+              <p:spPr>
+                <a:xfrm>
+                  <a:off x="6844347" y="6532867"/>
+                  <a:ext cx="1047542" cy="550372"/>
+                </a:xfrm>
+                <a:prstGeom prst="rect">
+                  <a:avLst/>
+                </a:prstGeom>
+              </p:spPr>
+              <p:style>
+                <a:lnRef idx="1">
+                  <a:schemeClr val="accent2"/>
+                </a:lnRef>
+                <a:fillRef idx="3">
+                  <a:schemeClr val="accent2"/>
+                </a:fillRef>
+                <a:effectRef idx="2">
+                  <a:schemeClr val="accent2"/>
+                </a:effectRef>
+                <a:fontRef idx="minor">
+                  <a:schemeClr val="lt1"/>
+                </a:fontRef>
+              </p:style>
+              <p:txBody>
+                <a:bodyPr rtlCol="0" anchor="ctr"/>
+                <a:lstStyle/>
+                <a:p>
+                  <a:pPr algn="ctr"/>
+                  <a:r>
+                    <a:rPr lang="zh-CN" altLang="en-US" sz="2000" dirty="0" smtClean="0">
+                      <a:ln w="0"/>
+                      <a:solidFill>
+                        <a:schemeClr val="tx1"/>
+                      </a:solidFill>
+                      <a:effectLst>
+                        <a:outerShdw blurRad="38100" dist="19050" dir="2700000" algn="tl" rotWithShape="0">
+                          <a:schemeClr val="dk1">
+                            <a:alpha val="40000"/>
+                          </a:schemeClr>
+                        </a:outerShdw>
+                      </a:effectLst>
+                    </a:rPr>
+                    <a:t>点</a:t>
+                  </a:r>
+                  <a:r>
+                    <a:rPr lang="zh-CN" altLang="en-US" sz="2000" dirty="0">
+                      <a:ln w="0"/>
+                      <a:solidFill>
+                        <a:schemeClr val="tx1"/>
+                      </a:solidFill>
+                      <a:effectLst>
+                        <a:outerShdw blurRad="38100" dist="19050" dir="2700000" algn="tl" rotWithShape="0">
+                          <a:schemeClr val="dk1">
+                            <a:alpha val="40000"/>
+                          </a:schemeClr>
+                        </a:outerShdw>
+                      </a:effectLst>
+                    </a:rPr>
+                    <a:t>乘</a:t>
+                  </a:r>
+                  <a:endParaRPr lang="zh-CN" altLang="en-US" sz="2000" dirty="0">
+                    <a:ln w="0"/>
+                    <a:solidFill>
+                      <a:schemeClr val="tx1"/>
+                    </a:solidFill>
+                    <a:effectLst>
+                      <a:outerShdw blurRad="38100" dist="19050" dir="2700000" algn="tl" rotWithShape="0">
+                        <a:schemeClr val="dk1">
+                          <a:alpha val="40000"/>
+                        </a:schemeClr>
+                      </a:outerShdw>
+                    </a:effectLst>
+                  </a:endParaRPr>
+                </a:p>
+              </p:txBody>
+            </p:sp>
+            <p:sp>
+              <p:nvSpPr>
+                <p:cNvPr id="230" name="矩形 229"/>
+                <p:cNvSpPr/>
+                <p:nvPr/>
+              </p:nvSpPr>
+              <p:spPr>
+                <a:xfrm>
+                  <a:off x="6844347" y="3486051"/>
+                  <a:ext cx="1083726" cy="550372"/>
+                </a:xfrm>
+                <a:prstGeom prst="rect">
+                  <a:avLst/>
+                </a:prstGeom>
+              </p:spPr>
+              <p:style>
+                <a:lnRef idx="1">
+                  <a:schemeClr val="accent2"/>
+                </a:lnRef>
+                <a:fillRef idx="3">
+                  <a:schemeClr val="accent2"/>
+                </a:fillRef>
+                <a:effectRef idx="2">
+                  <a:schemeClr val="accent2"/>
+                </a:effectRef>
+                <a:fontRef idx="minor">
+                  <a:schemeClr val="lt1"/>
+                </a:fontRef>
+              </p:style>
+              <p:txBody>
+                <a:bodyPr rtlCol="0" anchor="ctr"/>
+                <a:lstStyle/>
+                <a:p>
+                  <a:pPr algn="ctr"/>
+                  <a:r>
+                    <a:rPr lang="zh-CN" altLang="en-US" sz="2000" dirty="0" smtClean="0">
+                      <a:ln w="0"/>
+                      <a:solidFill>
+                        <a:schemeClr val="tx1"/>
+                      </a:solidFill>
+                      <a:effectLst>
+                        <a:outerShdw blurRad="38100" dist="19050" dir="2700000" algn="tl" rotWithShape="0">
+                          <a:schemeClr val="dk1">
+                            <a:alpha val="40000"/>
+                          </a:schemeClr>
+                        </a:outerShdw>
+                      </a:effectLst>
+                    </a:rPr>
+                    <a:t>点乘</a:t>
+                  </a:r>
+                  <a:endParaRPr lang="zh-CN" altLang="en-US" sz="2000" dirty="0">
+                    <a:ln w="0"/>
+                    <a:solidFill>
+                      <a:schemeClr val="tx1"/>
+                    </a:solidFill>
+                    <a:effectLst>
+                      <a:outerShdw blurRad="38100" dist="19050" dir="2700000" algn="tl" rotWithShape="0">
+                        <a:schemeClr val="dk1">
+                          <a:alpha val="40000"/>
+                        </a:schemeClr>
+                      </a:outerShdw>
+                    </a:effectLst>
+                  </a:endParaRPr>
+                </a:p>
+              </p:txBody>
+            </p:sp>
+            <p:cxnSp>
+              <p:nvCxnSpPr>
+                <p:cNvPr id="238" name="直接箭头连接符 237"/>
+                <p:cNvCxnSpPr/>
+                <p:nvPr/>
+              </p:nvCxnSpPr>
+              <p:spPr>
+                <a:xfrm flipV="1">
+                  <a:off x="7386210" y="7063430"/>
+                  <a:ext cx="4032" cy="369419"/>
+                </a:xfrm>
+                <a:prstGeom prst="straightConnector1">
+                  <a:avLst/>
+                </a:prstGeom>
+                <a:ln w="12700">
+                  <a:tailEnd type="triangle"/>
+                </a:ln>
+              </p:spPr>
+              <p:style>
+                <a:lnRef idx="1">
+                  <a:schemeClr val="accent1"/>
+                </a:lnRef>
+                <a:fillRef idx="0">
+                  <a:schemeClr val="accent1"/>
+                </a:fillRef>
+                <a:effectRef idx="0">
+                  <a:schemeClr val="accent1"/>
+                </a:effectRef>
+                <a:fontRef idx="minor">
+                  <a:schemeClr val="tx1"/>
+                </a:fontRef>
+              </p:style>
+            </p:cxnSp>
+            <p:cxnSp>
+              <p:nvCxnSpPr>
+                <p:cNvPr id="246" name="肘形连接符 245"/>
+                <p:cNvCxnSpPr>
+                  <a:endCxn id="227" idx="3"/>
+                </p:cNvCxnSpPr>
+                <p:nvPr/>
+              </p:nvCxnSpPr>
+              <p:spPr>
+                <a:xfrm rot="10800000">
+                  <a:off x="7891890" y="6808053"/>
+                  <a:ext cx="1467121" cy="647486"/>
+                </a:xfrm>
+                <a:prstGeom prst="bentConnector3">
+                  <a:avLst/>
+                </a:prstGeom>
+                <a:ln w="12700">
+                  <a:tailEnd type="triangle"/>
+                </a:ln>
+              </p:spPr>
+              <p:style>
+                <a:lnRef idx="1">
+                  <a:schemeClr val="accent1"/>
+                </a:lnRef>
+                <a:fillRef idx="0">
+                  <a:schemeClr val="accent1"/>
+                </a:fillRef>
+                <a:effectRef idx="0">
+                  <a:schemeClr val="accent1"/>
+                </a:effectRef>
+                <a:fontRef idx="minor">
+                  <a:schemeClr val="tx1"/>
+                </a:fontRef>
+              </p:style>
+            </p:cxnSp>
+            <p:cxnSp>
+              <p:nvCxnSpPr>
+                <p:cNvPr id="250" name="肘形连接符 249"/>
+                <p:cNvCxnSpPr>
+                  <a:stCxn id="227" idx="1"/>
+                  <a:endCxn id="18" idx="0"/>
+                </p:cNvCxnSpPr>
+                <p:nvPr/>
+              </p:nvCxnSpPr>
+              <p:spPr>
+                <a:xfrm rot="10800000">
+                  <a:off x="5456397" y="6520197"/>
+                  <a:ext cx="1387951" cy="287856"/>
+                </a:xfrm>
+                <a:prstGeom prst="bentConnector2">
+                  <a:avLst/>
+                </a:prstGeom>
+                <a:ln w="12700">
+                  <a:tailEnd type="triangle"/>
+                </a:ln>
+              </p:spPr>
+              <p:style>
+                <a:lnRef idx="1">
+                  <a:schemeClr val="accent1"/>
+                </a:lnRef>
+                <a:fillRef idx="0">
+                  <a:schemeClr val="accent1"/>
+                </a:fillRef>
+                <a:effectRef idx="0">
+                  <a:schemeClr val="accent1"/>
+                </a:effectRef>
+                <a:fontRef idx="minor">
+                  <a:schemeClr val="tx1"/>
+                </a:fontRef>
+              </p:style>
+            </p:cxnSp>
+            <p:cxnSp>
+              <p:nvCxnSpPr>
+                <p:cNvPr id="252" name="直接箭头连接符 251"/>
+                <p:cNvCxnSpPr>
+                  <a:stCxn id="155" idx="3"/>
+                  <a:endCxn id="189" idx="1"/>
+                </p:cNvCxnSpPr>
+                <p:nvPr/>
+              </p:nvCxnSpPr>
+              <p:spPr>
+                <a:xfrm>
+                  <a:off x="6221580" y="7693911"/>
+                  <a:ext cx="781520" cy="0"/>
+                </a:xfrm>
+                <a:prstGeom prst="straightConnector1">
+                  <a:avLst/>
+                </a:prstGeom>
+                <a:ln w="12700">
+                  <a:tailEnd type="triangle"/>
+                </a:ln>
+              </p:spPr>
+              <p:style>
+                <a:lnRef idx="1">
+                  <a:schemeClr val="accent1"/>
+                </a:lnRef>
+                <a:fillRef idx="0">
+                  <a:schemeClr val="accent1"/>
+                </a:fillRef>
+                <a:effectRef idx="0">
+                  <a:schemeClr val="accent1"/>
+                </a:effectRef>
+                <a:fontRef idx="minor">
+                  <a:schemeClr val="tx1"/>
+                </a:fontRef>
+              </p:style>
+            </p:cxnSp>
+            <p:cxnSp>
+              <p:nvCxnSpPr>
+                <p:cNvPr id="255" name="直接箭头连接符 254"/>
+                <p:cNvCxnSpPr>
+                  <a:stCxn id="168" idx="0"/>
+                  <a:endCxn id="230" idx="2"/>
+                </p:cNvCxnSpPr>
+                <p:nvPr/>
+              </p:nvCxnSpPr>
+              <p:spPr>
+                <a:xfrm flipV="1">
+                  <a:off x="7386210" y="4036423"/>
+                  <a:ext cx="0" cy="393181"/>
+                </a:xfrm>
+                <a:prstGeom prst="straightConnector1">
+                  <a:avLst/>
+                </a:prstGeom>
+                <a:ln>
+                  <a:tailEnd type="triangle"/>
+                </a:ln>
+              </p:spPr>
+              <p:style>
+                <a:lnRef idx="1">
+                  <a:schemeClr val="accent1"/>
+                </a:lnRef>
+                <a:fillRef idx="0">
+                  <a:schemeClr val="accent1"/>
+                </a:fillRef>
+                <a:effectRef idx="0">
+                  <a:schemeClr val="accent1"/>
+                </a:effectRef>
+                <a:fontRef idx="minor">
+                  <a:schemeClr val="tx1"/>
+                </a:fontRef>
+              </p:style>
+            </p:cxnSp>
+            <p:cxnSp>
+              <p:nvCxnSpPr>
+                <p:cNvPr id="257" name="肘形连接符 256"/>
+                <p:cNvCxnSpPr>
+                  <a:endCxn id="230" idx="3"/>
+                </p:cNvCxnSpPr>
+                <p:nvPr/>
+              </p:nvCxnSpPr>
+              <p:spPr>
+                <a:xfrm rot="10800000">
+                  <a:off x="7928073" y="3761238"/>
+                  <a:ext cx="1270174" cy="985069"/>
+                </a:xfrm>
+                <a:prstGeom prst="bentConnector3">
+                  <a:avLst/>
+                </a:prstGeom>
+                <a:ln w="12700">
+                  <a:tailEnd type="triangle"/>
+                </a:ln>
+              </p:spPr>
+              <p:style>
+                <a:lnRef idx="1">
+                  <a:schemeClr val="accent1"/>
+                </a:lnRef>
+                <a:fillRef idx="0">
+                  <a:schemeClr val="accent1"/>
+                </a:fillRef>
+                <a:effectRef idx="0">
+                  <a:schemeClr val="accent1"/>
+                </a:effectRef>
+                <a:fontRef idx="minor">
+                  <a:schemeClr val="tx1"/>
+                </a:fontRef>
+              </p:style>
+            </p:cxnSp>
+            <p:cxnSp>
+              <p:nvCxnSpPr>
+                <p:cNvPr id="259" name="肘形连接符 258"/>
+                <p:cNvCxnSpPr>
+                  <a:stCxn id="230" idx="1"/>
+                  <a:endCxn id="19" idx="0"/>
+                </p:cNvCxnSpPr>
+                <p:nvPr/>
+              </p:nvCxnSpPr>
+              <p:spPr>
+                <a:xfrm rot="10800000">
+                  <a:off x="5451733" y="3577615"/>
+                  <a:ext cx="1392614" cy="183623"/>
+                </a:xfrm>
+                <a:prstGeom prst="bentConnector2">
+                  <a:avLst/>
+                </a:prstGeom>
+                <a:ln w="12700">
+                  <a:tailEnd type="triangle"/>
+                </a:ln>
+              </p:spPr>
+              <p:style>
+                <a:lnRef idx="1">
+                  <a:schemeClr val="accent1"/>
+                </a:lnRef>
+                <a:fillRef idx="0">
+                  <a:schemeClr val="accent1"/>
+                </a:fillRef>
+                <a:effectRef idx="0">
+                  <a:schemeClr val="accent1"/>
+                </a:effectRef>
+                <a:fontRef idx="minor">
+                  <a:schemeClr val="tx1"/>
+                </a:fontRef>
+              </p:style>
+            </p:cxnSp>
+            <p:cxnSp>
+              <p:nvCxnSpPr>
+                <p:cNvPr id="261" name="直接箭头连接符 260"/>
+                <p:cNvCxnSpPr>
+                  <a:endCxn id="168" idx="1"/>
+                </p:cNvCxnSpPr>
+                <p:nvPr/>
+              </p:nvCxnSpPr>
+              <p:spPr>
+                <a:xfrm flipV="1">
+                  <a:off x="6148040" y="4859581"/>
+                  <a:ext cx="777234" cy="9074"/>
+                </a:xfrm>
+                <a:prstGeom prst="straightConnector1">
+                  <a:avLst/>
+                </a:prstGeom>
+                <a:ln w="12700">
+                  <a:tailEnd type="triangle"/>
+                </a:ln>
+              </p:spPr>
+              <p:style>
+                <a:lnRef idx="1">
+                  <a:schemeClr val="accent1"/>
+                </a:lnRef>
+                <a:fillRef idx="0">
+                  <a:schemeClr val="accent1"/>
+                </a:fillRef>
+                <a:effectRef idx="0">
+                  <a:schemeClr val="accent1"/>
+                </a:effectRef>
+                <a:fontRef idx="minor">
+                  <a:schemeClr val="tx1"/>
+                </a:fontRef>
+              </p:style>
+            </p:cxnSp>
+            <p:sp>
+              <p:nvSpPr>
+                <p:cNvPr id="264" name="文本框 263"/>
+                <p:cNvSpPr txBox="1"/>
+                <p:nvPr/>
+              </p:nvSpPr>
+              <p:spPr>
+                <a:xfrm>
+                  <a:off x="10290424" y="1418831"/>
+                  <a:ext cx="1572577" cy="400110"/>
+                </a:xfrm>
+                <a:prstGeom prst="rect">
+                  <a:avLst/>
+                </a:prstGeom>
+                <a:noFill/>
+              </p:spPr>
+              <p:txBody>
+                <a:bodyPr wrap="square" rtlCol="0">
+                  <a:spAutoFit/>
+                </a:bodyPr>
+                <a:lstStyle/>
+                <a:p>
+                  <a:r>
+                    <a:rPr lang="en-US" altLang="zh-CN" sz="2000" b="1" dirty="0" smtClean="0"/>
+                    <a:t>1x mask</a:t>
+                  </a:r>
+                  <a:endParaRPr lang="zh-CN" altLang="en-US" sz="2000" b="1" dirty="0"/>
+                </a:p>
+              </p:txBody>
+            </p:sp>
+            <p:sp>
+              <p:nvSpPr>
+                <p:cNvPr id="297" name="文本框 296"/>
+                <p:cNvSpPr txBox="1"/>
+                <p:nvPr/>
+              </p:nvSpPr>
+              <p:spPr>
+                <a:xfrm>
+                  <a:off x="9198247" y="6023795"/>
+                  <a:ext cx="1345926" cy="400110"/>
+                </a:xfrm>
+                <a:prstGeom prst="rect">
+                  <a:avLst/>
+                </a:prstGeom>
+                <a:noFill/>
+              </p:spPr>
+              <p:txBody>
+                <a:bodyPr wrap="square" rtlCol="0">
+                  <a:spAutoFit/>
+                </a:bodyPr>
+                <a:lstStyle/>
+                <a:p>
+                  <a:r>
+                    <a:rPr lang="zh-CN" altLang="en-US" sz="2000" dirty="0" smtClean="0">
+                      <a:latin typeface="+mn-ea"/>
+                    </a:rPr>
+                    <a:t>下采样</a:t>
+                  </a:r>
+                  <a:endParaRPr lang="zh-CN" altLang="en-US" sz="2000" dirty="0">
+                    <a:latin typeface="+mn-ea"/>
+                  </a:endParaRPr>
+                </a:p>
+              </p:txBody>
+            </p:sp>
+          </p:grpSp>
+          <p:cxnSp>
+            <p:nvCxnSpPr>
+              <p:cNvPr id="300" name="直接连接符 299"/>
+              <p:cNvCxnSpPr>
+                <a:endCxn id="155" idx="0"/>
+              </p:cNvCxnSpPr>
+              <p:nvPr/>
+            </p:nvCxnSpPr>
+            <p:spPr>
+              <a:xfrm>
+                <a:off x="5458351" y="6808053"/>
+                <a:ext cx="0" cy="614030"/>
+              </a:xfrm>
+              <a:prstGeom prst="line">
+                <a:avLst/>
+              </a:prstGeom>
+              <a:ln w="12700"/>
+            </p:spPr>
+            <p:style>
+              <a:lnRef idx="1">
+                <a:schemeClr val="accent1"/>
+              </a:lnRef>
+              <a:fillRef idx="0">
+                <a:schemeClr val="accent1"/>
+              </a:fillRef>
+              <a:effectRef idx="0">
+                <a:schemeClr val="accent1"/>
+              </a:effectRef>
+              <a:fontRef idx="minor">
+                <a:schemeClr val="tx1"/>
+              </a:fontRef>
+            </p:style>
+          </p:cxnSp>
+          <p:cxnSp>
+            <p:nvCxnSpPr>
+              <p:cNvPr id="301" name="直接连接符 300"/>
+              <p:cNvCxnSpPr/>
+              <p:nvPr/>
+            </p:nvCxnSpPr>
+            <p:spPr>
+              <a:xfrm>
+                <a:off x="5447916" y="3724471"/>
+                <a:ext cx="18821" cy="927850"/>
+              </a:xfrm>
+              <a:prstGeom prst="line">
+                <a:avLst/>
+              </a:prstGeom>
+              <a:ln w="12700"/>
+            </p:spPr>
+            <p:style>
+              <a:lnRef idx="1">
+                <a:schemeClr val="accent1"/>
+              </a:lnRef>
+              <a:fillRef idx="0">
+                <a:schemeClr val="accent1"/>
+              </a:fillRef>
+              <a:effectRef idx="0">
+                <a:schemeClr val="accent1"/>
+              </a:effectRef>
+              <a:fontRef idx="minor">
+                <a:schemeClr val="tx1"/>
+              </a:fontRef>
+            </p:style>
+          </p:cxnSp>
+          <p:sp>
+            <p:nvSpPr>
+              <p:cNvPr id="305" name="加号 304"/>
+              <p:cNvSpPr/>
+              <p:nvPr/>
+            </p:nvSpPr>
+            <p:spPr>
+              <a:xfrm>
+                <a:off x="5649404" y="3710544"/>
+                <a:ext cx="316337" cy="447052"/>
+              </a:xfrm>
+              <a:prstGeom prst="mathPlus">
+                <a:avLst/>
+              </a:prstGeom>
+              <a:ln w="3175"/>
+            </p:spPr>
+            <p:style>
+              <a:lnRef idx="1">
+                <a:schemeClr val="accent2"/>
+              </a:lnRef>
+              <a:fillRef idx="3">
+                <a:schemeClr val="accent2"/>
+              </a:fillRef>
+              <a:effectRef idx="2">
+                <a:schemeClr val="accent2"/>
+              </a:effectRef>
+              <a:fontRef idx="minor">
+                <a:schemeClr val="lt1"/>
+              </a:fontRef>
+            </p:style>
+            <p:txBody>
+              <a:bodyPr rtlCol="0" anchor="ctr"/>
+              <a:lstStyle/>
+              <a:p>
+                <a:pPr algn="ctr"/>
+                <a:endParaRPr lang="zh-CN" altLang="en-US"/>
+              </a:p>
+            </p:txBody>
+          </p:sp>
+          <p:sp>
+            <p:nvSpPr>
+              <p:cNvPr id="306" name="加号 305"/>
+              <p:cNvSpPr/>
+              <p:nvPr/>
+            </p:nvSpPr>
+            <p:spPr>
+              <a:xfrm>
+                <a:off x="5628657" y="6734965"/>
+                <a:ext cx="292042" cy="412718"/>
+              </a:xfrm>
+              <a:prstGeom prst="mathPlus">
+                <a:avLst/>
+              </a:prstGeom>
+              <a:ln w="3175"/>
+            </p:spPr>
+            <p:style>
+              <a:lnRef idx="1">
+                <a:schemeClr val="accent2"/>
+              </a:lnRef>
+              <a:fillRef idx="3">
+                <a:schemeClr val="accent2"/>
+              </a:fillRef>
+              <a:effectRef idx="2">
+                <a:schemeClr val="accent2"/>
+              </a:effectRef>
+              <a:fontRef idx="minor">
+                <a:schemeClr val="lt1"/>
+              </a:fontRef>
+            </p:style>
+            <p:txBody>
+              <a:bodyPr rtlCol="0" anchor="ctr"/>
+              <a:lstStyle/>
+              <a:p>
+                <a:pPr algn="ctr"/>
+                <a:endParaRPr lang="zh-CN" altLang="en-US"/>
+              </a:p>
+            </p:txBody>
+          </p:sp>
+        </p:grpSp>
+        <p:sp>
+          <p:nvSpPr>
+            <p:cNvPr id="310" name="文本框 309"/>
+            <p:cNvSpPr txBox="1"/>
+            <p:nvPr/>
+          </p:nvSpPr>
+          <p:spPr>
+            <a:xfrm>
+              <a:off x="1484824" y="501977"/>
+              <a:ext cx="1252053" cy="400110"/>
+            </a:xfrm>
+            <a:prstGeom prst="rect">
+              <a:avLst/>
+            </a:prstGeom>
+            <a:noFill/>
+          </p:spPr>
+          <p:txBody>
+            <a:bodyPr wrap="square" rtlCol="0">
+              <a:spAutoFit/>
+            </a:bodyPr>
+            <a:lstStyle/>
+            <a:p>
+              <a:r>
+                <a:rPr lang="zh-CN" altLang="en-US" sz="2000" dirty="0" smtClean="0"/>
+                <a:t>输入影像</a:t>
+              </a:r>
+              <a:endParaRPr lang="zh-CN" altLang="en-US" sz="2000" dirty="0"/>
+            </a:p>
+          </p:txBody>
+        </p:sp>
+        <p:graphicFrame>
+          <p:nvGraphicFramePr>
+            <p:cNvPr id="311" name="对象 310"/>
+            <p:cNvGraphicFramePr>
+              <a:graphicFrameLocks noChangeAspect="1"/>
+            </p:cNvGraphicFramePr>
+            <p:nvPr>
+              <p:extLst>
+                <p:ext uri="{D42A27DB-BD31-4B8C-83A1-F6EECF244321}">
+                  <p14:modId xmlns:p14="http://schemas.microsoft.com/office/powerpoint/2010/main" val="2460833418"/>
+                </p:ext>
+              </p:extLst>
+            </p:nvPr>
+          </p:nvGraphicFramePr>
+          <p:xfrm>
+            <a:off x="9508683" y="9874941"/>
+            <a:ext cx="286506" cy="297266"/>
+          </p:xfrm>
+          <a:graphic>
+            <a:graphicData uri="http://schemas.openxmlformats.org/presentationml/2006/ole">
+              <mc:AlternateContent xmlns:mc="http://schemas.openxmlformats.org/markup-compatibility/2006">
+                <mc:Choice xmlns:v="urn:schemas-microsoft-com:vml" Requires="v">
+                  <p:oleObj spid="_x0000_s1090" r:id="rId13" imgW="2272680" imgH="2552040" progId="">
+                    <p:embed/>
+                  </p:oleObj>
+                </mc:Choice>
+                <mc:Fallback>
+                  <p:oleObj r:id="rId13" imgW="2272680" imgH="2552040" progId="">
+                    <p:embed/>
+                    <p:pic>
+                      <p:nvPicPr>
+                        <p:cNvPr id="24" name="对象 23"/>
+                        <p:cNvPicPr/>
+                        <p:nvPr/>
+                      </p:nvPicPr>
+                      <p:blipFill>
+                        <a:blip r:embed="rId6"/>
+                        <a:stretch>
+                          <a:fillRect/>
+                        </a:stretch>
+                      </p:blipFill>
+                      <p:spPr>
+                        <a:xfrm>
+                          <a:off x="9508683" y="9874941"/>
+                          <a:ext cx="286506" cy="297266"/>
+                        </a:xfrm>
+                        <a:prstGeom prst="rect">
+                          <a:avLst/>
+                        </a:prstGeom>
+                      </p:spPr>
+                    </p:pic>
+                  </p:oleObj>
+                </mc:Fallback>
+              </mc:AlternateContent>
+            </a:graphicData>
+          </a:graphic>
+        </p:graphicFrame>
+        <p:cxnSp>
+          <p:nvCxnSpPr>
+            <p:cNvPr id="312" name="直接箭头连接符 311"/>
+            <p:cNvCxnSpPr>
+              <a:stCxn id="24" idx="2"/>
+              <a:endCxn id="311" idx="0"/>
+            </p:cNvCxnSpPr>
+            <p:nvPr/>
+          </p:nvCxnSpPr>
+          <p:spPr>
+            <a:xfrm>
+              <a:off x="9651936" y="7759471"/>
+              <a:ext cx="0" cy="2115470"/>
+            </a:xfrm>
+            <a:prstGeom prst="straightConnector1">
+              <a:avLst/>
+            </a:prstGeom>
+            <a:ln w="12700">
+              <a:tailEnd type="triangle"/>
+            </a:ln>
+          </p:spPr>
+          <p:style>
+            <a:lnRef idx="1">
+              <a:schemeClr val="accent1"/>
+            </a:lnRef>
+            <a:fillRef idx="0">
+              <a:schemeClr val="accent1"/>
+            </a:fillRef>
+            <a:effectRef idx="0">
+              <a:schemeClr val="accent1"/>
+            </a:effectRef>
+            <a:fontRef idx="minor">
+              <a:schemeClr val="tx1"/>
+            </a:fontRef>
+          </p:style>
+        </p:cxnSp>
+        <p:sp>
+          <p:nvSpPr>
+            <p:cNvPr id="313" name="文本框 312"/>
+            <p:cNvSpPr txBox="1"/>
+            <p:nvPr/>
+          </p:nvSpPr>
+          <p:spPr>
+            <a:xfrm>
+              <a:off x="10028356" y="9827860"/>
+              <a:ext cx="1572577" cy="400110"/>
+            </a:xfrm>
+            <a:prstGeom prst="rect">
+              <a:avLst/>
+            </a:prstGeom>
+            <a:noFill/>
+          </p:spPr>
+          <p:txBody>
+            <a:bodyPr wrap="square" rtlCol="0">
+              <a:spAutoFit/>
+            </a:bodyPr>
+            <a:lstStyle/>
+            <a:p>
+              <a:r>
+                <a:rPr lang="en-US" altLang="zh-CN" sz="2000" b="1" dirty="0" smtClean="0"/>
+                <a:t>1/16x mask</a:t>
+              </a:r>
+              <a:endParaRPr lang="zh-CN" altLang="en-US" sz="2000" b="1" dirty="0"/>
+            </a:p>
+          </p:txBody>
+        </p:sp>
+        <p:graphicFrame>
+          <p:nvGraphicFramePr>
+            <p:cNvPr id="315" name="对象 314"/>
+            <p:cNvGraphicFramePr>
+              <a:graphicFrameLocks noChangeAspect="1"/>
+            </p:cNvGraphicFramePr>
+            <p:nvPr>
+              <p:extLst>
+                <p:ext uri="{D42A27DB-BD31-4B8C-83A1-F6EECF244321}">
+                  <p14:modId xmlns:p14="http://schemas.microsoft.com/office/powerpoint/2010/main" val="1925048899"/>
+                </p:ext>
+              </p:extLst>
+            </p:nvPr>
+          </p:nvGraphicFramePr>
+          <p:xfrm>
+            <a:off x="7222629" y="9968682"/>
+            <a:ext cx="327162" cy="305189"/>
+          </p:xfrm>
+          <a:graphic>
+            <a:graphicData uri="http://schemas.openxmlformats.org/presentationml/2006/ole">
+              <mc:AlternateContent xmlns:mc="http://schemas.openxmlformats.org/markup-compatibility/2006">
+                <mc:Choice xmlns:v="urn:schemas-microsoft-com:vml" Requires="v">
+                  <p:oleObj spid="_x0000_s1091" r:id="rId14" imgW="1701360" imgH="1587240" progId="">
+                    <p:embed/>
+                  </p:oleObj>
+                </mc:Choice>
+                <mc:Fallback>
+                  <p:oleObj r:id="rId14" imgW="1701360" imgH="1587240" progId="">
+                    <p:embed/>
+                    <p:pic>
+                      <p:nvPicPr>
+                        <p:cNvPr id="189" name="对象 188"/>
+                        <p:cNvPicPr/>
+                        <p:nvPr/>
+                      </p:nvPicPr>
+                      <p:blipFill>
+                        <a:blip r:embed="rId12"/>
+                        <a:stretch>
+                          <a:fillRect/>
+                        </a:stretch>
+                      </p:blipFill>
+                      <p:spPr>
+                        <a:xfrm>
+                          <a:off x="7222629" y="9968682"/>
+                          <a:ext cx="327162" cy="305189"/>
+                        </a:xfrm>
+                        <a:prstGeom prst="rect">
+                          <a:avLst/>
+                        </a:prstGeom>
+                      </p:spPr>
+                    </p:pic>
+                  </p:oleObj>
+                </mc:Fallback>
+              </mc:AlternateContent>
+            </a:graphicData>
+          </a:graphic>
+        </p:graphicFrame>
+        <p:cxnSp>
+          <p:nvCxnSpPr>
+            <p:cNvPr id="316" name="直接箭头连接符 315"/>
+            <p:cNvCxnSpPr>
+              <a:stCxn id="17" idx="3"/>
+              <a:endCxn id="315" idx="1"/>
+            </p:cNvCxnSpPr>
+            <p:nvPr/>
+          </p:nvCxnSpPr>
+          <p:spPr>
+            <a:xfrm flipV="1">
+              <a:off x="2787063" y="10121276"/>
+              <a:ext cx="4435566" cy="1"/>
+            </a:xfrm>
+            <a:prstGeom prst="straightConnector1">
+              <a:avLst/>
+            </a:prstGeom>
+            <a:ln w="12700">
+              <a:tailEnd type="triangle"/>
+            </a:ln>
+          </p:spPr>
+          <p:style>
+            <a:lnRef idx="1">
+              <a:schemeClr val="accent1"/>
+            </a:lnRef>
+            <a:fillRef idx="0">
+              <a:schemeClr val="accent1"/>
+            </a:fillRef>
+            <a:effectRef idx="0">
+              <a:schemeClr val="accent1"/>
+            </a:effectRef>
+            <a:fontRef idx="minor">
+              <a:schemeClr val="tx1"/>
+            </a:fontRef>
+          </p:style>
+        </p:cxnSp>
+        <p:sp>
+          <p:nvSpPr>
+            <p:cNvPr id="321" name="矩形 320"/>
+            <p:cNvSpPr/>
+            <p:nvPr/>
+          </p:nvSpPr>
+          <p:spPr>
+            <a:xfrm>
+              <a:off x="6862439" y="8907269"/>
+              <a:ext cx="1047542" cy="550372"/>
+            </a:xfrm>
+            <a:prstGeom prst="rect">
+              <a:avLst/>
+            </a:prstGeom>
+          </p:spPr>
+          <p:style>
+            <a:lnRef idx="1">
+              <a:schemeClr val="accent2"/>
+            </a:lnRef>
+            <a:fillRef idx="3">
+              <a:schemeClr val="accent2"/>
+            </a:fillRef>
+            <a:effectRef idx="2">
+              <a:schemeClr val="accent2"/>
+            </a:effectRef>
+            <a:fontRef idx="minor">
+              <a:schemeClr val="lt1"/>
+            </a:fontRef>
+          </p:style>
+          <p:txBody>
+            <a:bodyPr rtlCol="0" anchor="ctr"/>
+            <a:lstStyle/>
+            <a:p>
+              <a:pPr algn="ctr"/>
+              <a:r>
+                <a:rPr lang="zh-CN" altLang="en-US" sz="2000" dirty="0" smtClean="0">
+                  <a:ln w="0"/>
+                  <a:solidFill>
+                    <a:schemeClr val="tx1"/>
+                  </a:solidFill>
+                  <a:effectLst>
+                    <a:outerShdw blurRad="38100" dist="19050" dir="2700000" algn="tl" rotWithShape="0">
+                      <a:schemeClr val="dk1">
+                        <a:alpha val="40000"/>
+                      </a:schemeClr>
+                    </a:outerShdw>
+                  </a:effectLst>
+                </a:rPr>
+                <a:t>点</a:t>
+              </a:r>
+              <a:r>
+                <a:rPr lang="zh-CN" altLang="en-US" sz="2000" dirty="0">
+                  <a:ln w="0"/>
+                  <a:solidFill>
+                    <a:schemeClr val="tx1"/>
+                  </a:solidFill>
+                  <a:effectLst>
+                    <a:outerShdw blurRad="38100" dist="19050" dir="2700000" algn="tl" rotWithShape="0">
+                      <a:schemeClr val="dk1">
+                        <a:alpha val="40000"/>
+                      </a:schemeClr>
+                    </a:outerShdw>
+                  </a:effectLst>
+                </a:rPr>
+                <a:t>乘</a:t>
+              </a:r>
+              <a:endParaRPr lang="zh-CN" altLang="en-US" sz="2000" dirty="0">
+                <a:ln w="0"/>
+                <a:solidFill>
+                  <a:schemeClr val="tx1"/>
+                </a:solidFill>
+                <a:effectLst>
+                  <a:outerShdw blurRad="38100" dist="19050" dir="2700000" algn="tl" rotWithShape="0">
+                    <a:schemeClr val="dk1">
+                      <a:alpha val="40000"/>
+                    </a:schemeClr>
+                  </a:outerShdw>
+                </a:effectLst>
+              </a:endParaRPr>
+            </a:p>
+          </p:txBody>
+        </p:sp>
+        <p:cxnSp>
+          <p:nvCxnSpPr>
+            <p:cNvPr id="323" name="直接箭头连接符 322"/>
+            <p:cNvCxnSpPr>
+              <a:stCxn id="315" idx="0"/>
+              <a:endCxn id="321" idx="2"/>
+            </p:cNvCxnSpPr>
+            <p:nvPr/>
+          </p:nvCxnSpPr>
+          <p:spPr>
+            <a:xfrm flipV="1">
+              <a:off x="7386210" y="9457641"/>
+              <a:ext cx="0" cy="511041"/>
+            </a:xfrm>
+            <a:prstGeom prst="straightConnector1">
+              <a:avLst/>
+            </a:prstGeom>
+            <a:ln w="12700">
+              <a:tailEnd type="triangle"/>
+            </a:ln>
+          </p:spPr>
+          <p:style>
+            <a:lnRef idx="1">
+              <a:schemeClr val="accent1"/>
+            </a:lnRef>
+            <a:fillRef idx="0">
+              <a:schemeClr val="accent1"/>
+            </a:fillRef>
+            <a:effectRef idx="0">
+              <a:schemeClr val="accent1"/>
+            </a:effectRef>
+            <a:fontRef idx="minor">
+              <a:schemeClr val="tx1"/>
+            </a:fontRef>
+          </p:style>
+        </p:cxnSp>
+        <p:cxnSp>
+          <p:nvCxnSpPr>
+            <p:cNvPr id="328" name="肘形连接符 327"/>
+            <p:cNvCxnSpPr>
+              <a:endCxn id="321" idx="3"/>
+            </p:cNvCxnSpPr>
+            <p:nvPr/>
+          </p:nvCxnSpPr>
+          <p:spPr>
+            <a:xfrm rot="10800000">
+              <a:off x="7909981" y="9182456"/>
+              <a:ext cx="1598702" cy="786227"/>
+            </a:xfrm>
+            <a:prstGeom prst="bentConnector3">
+              <a:avLst/>
+            </a:prstGeom>
+            <a:ln w="12700">
+              <a:tailEnd type="triangle"/>
+            </a:ln>
+          </p:spPr>
+          <p:style>
+            <a:lnRef idx="1">
+              <a:schemeClr val="accent1"/>
+            </a:lnRef>
+            <a:fillRef idx="0">
+              <a:schemeClr val="accent1"/>
+            </a:fillRef>
+            <a:effectRef idx="0">
+              <a:schemeClr val="accent1"/>
+            </a:effectRef>
+            <a:fontRef idx="minor">
+              <a:schemeClr val="tx1"/>
+            </a:fontRef>
+          </p:style>
+        </p:cxnSp>
+        <p:cxnSp>
+          <p:nvCxnSpPr>
+            <p:cNvPr id="330" name="肘形连接符 329"/>
+            <p:cNvCxnSpPr>
+              <a:stCxn id="321" idx="1"/>
+              <a:endCxn id="20" idx="0"/>
+            </p:cNvCxnSpPr>
+            <p:nvPr/>
+          </p:nvCxnSpPr>
+          <p:spPr>
+            <a:xfrm rot="10800000" flipV="1">
+              <a:off x="5458351" y="9182454"/>
+              <a:ext cx="1404088" cy="201213"/>
+            </a:xfrm>
+            <a:prstGeom prst="bentConnector4">
+              <a:avLst>
+                <a:gd name="adj1" fmla="val 28578"/>
+                <a:gd name="adj2" fmla="val 250374"/>
+              </a:avLst>
+            </a:prstGeom>
+            <a:ln w="12700">
+              <a:tailEnd type="triangle"/>
+            </a:ln>
+          </p:spPr>
+          <p:style>
+            <a:lnRef idx="1">
+              <a:schemeClr val="accent1"/>
+            </a:lnRef>
+            <a:fillRef idx="0">
+              <a:schemeClr val="accent1"/>
+            </a:fillRef>
+            <a:effectRef idx="0">
+              <a:schemeClr val="accent1"/>
+            </a:effectRef>
+            <a:fontRef idx="minor">
+              <a:schemeClr val="tx1"/>
+            </a:fontRef>
+          </p:style>
+        </p:cxnSp>
+        <p:cxnSp>
+          <p:nvCxnSpPr>
+            <p:cNvPr id="332" name="肘形连接符 331"/>
+            <p:cNvCxnSpPr>
+              <a:stCxn id="17" idx="3"/>
+              <a:endCxn id="20" idx="0"/>
+            </p:cNvCxnSpPr>
+            <p:nvPr/>
+          </p:nvCxnSpPr>
+          <p:spPr>
+            <a:xfrm flipV="1">
+              <a:off x="2787063" y="9383668"/>
+              <a:ext cx="2671288" cy="737609"/>
+            </a:xfrm>
+            <a:prstGeom prst="bentConnector2">
+              <a:avLst/>
+            </a:prstGeom>
+            <a:ln w="12700">
+              <a:tailEnd type="triangle"/>
+            </a:ln>
+          </p:spPr>
+          <p:style>
+            <a:lnRef idx="1">
+              <a:schemeClr val="accent1"/>
+            </a:lnRef>
+            <a:fillRef idx="0">
+              <a:schemeClr val="accent1"/>
+            </a:fillRef>
+            <a:effectRef idx="0">
+              <a:schemeClr val="accent1"/>
+            </a:effectRef>
+            <a:fontRef idx="minor">
+              <a:schemeClr val="tx1"/>
+            </a:fontRef>
+          </p:style>
+        </p:cxnSp>
+        <p:sp>
+          <p:nvSpPr>
+            <p:cNvPr id="333" name="加号 332"/>
+            <p:cNvSpPr/>
+            <p:nvPr/>
+          </p:nvSpPr>
+          <p:spPr>
+            <a:xfrm>
+              <a:off x="5545497" y="9668582"/>
+              <a:ext cx="292042" cy="412718"/>
+            </a:xfrm>
+            <a:prstGeom prst="mathPlus">
+              <a:avLst/>
+            </a:prstGeom>
+            <a:ln w="3175"/>
+          </p:spPr>
+          <p:style>
+            <a:lnRef idx="1">
+              <a:schemeClr val="accent2"/>
+            </a:lnRef>
+            <a:fillRef idx="3">
+              <a:schemeClr val="accent2"/>
+            </a:fillRef>
+            <a:effectRef idx="2">
+              <a:schemeClr val="accent2"/>
+            </a:effectRef>
+            <a:fontRef idx="minor">
+              <a:schemeClr val="lt1"/>
+            </a:fontRef>
+          </p:style>
+          <p:txBody>
+            <a:bodyPr rtlCol="0" anchor="ctr"/>
+            <a:lstStyle/>
+            <a:p>
+              <a:pPr algn="ctr"/>
+              <a:endParaRPr lang="zh-CN" altLang="en-US"/>
+            </a:p>
+          </p:txBody>
+        </p:sp>
+      </p:grpSp>
+    </p:spTree>
+    <p:extLst>
+      <p:ext uri="{BB962C8B-B14F-4D97-AF65-F5344CB8AC3E}">
+        <p14:creationId xmlns:p14="http://schemas.microsoft.com/office/powerpoint/2010/main" val="274332064"/>
+      </p:ext>
+    </p:extLst>
+  </p:cSld>
+  <p:clrMapOvr>
+    <a:masterClrMapping/>
+  </p:clrMapOvr>
+  <p:timing>
+    <p:tnLst>
+      <p:par>
+        <p:cTn id="1" dur="indefinite" restart="never" nodeType="tmRoot"/>
+      </p:par>
+    </p:tnLst>
+  </p:timing>
+</p:sld>
+</file>
+
+<file path=ppt/slides/slide3.xml><?xml version="1.0" encoding="utf-8"?>
+<p:sld xmlns:a="http://schemas.openxmlformats.org/drawingml/2006/main" xmlns:r="http://schemas.openxmlformats.org/officeDocument/2006/relationships" xmlns:p="http://schemas.openxmlformats.org/presentationml/2006/main">
+  <p:cSld>
+    <p:spTree>
+      <p:nvGrpSpPr>
+        <p:cNvPr id="1" name=""/>
+        <p:cNvGrpSpPr/>
+        <p:nvPr/>
+      </p:nvGrpSpPr>
+      <p:grpSpPr>
+        <a:xfrm>
+          <a:off x="0" y="0"/>
+          <a:ext cx="0" cy="0"/>
+          <a:chOff x="0" y="0"/>
+          <a:chExt cx="0" cy="0"/>
+        </a:xfrm>
+      </p:grpSpPr>
+      <p:sp>
+        <p:nvSpPr>
+          <p:cNvPr id="2" name="标题 1"/>
+          <p:cNvSpPr>
+            <a:spLocks noGrp="1"/>
+          </p:cNvSpPr>
+          <p:nvPr>
+            <p:ph type="title"/>
+          </p:nvPr>
+        </p:nvSpPr>
+        <p:spPr/>
+        <p:txBody>
+          <a:bodyPr/>
+          <a:lstStyle/>
+          <a:p>
+            <a:endParaRPr lang="zh-CN" altLang="en-US"/>
+          </a:p>
+        </p:txBody>
+      </p:sp>
+      <p:sp>
+        <p:nvSpPr>
+          <p:cNvPr id="3" name="内容占位符 2"/>
+          <p:cNvSpPr>
+            <a:spLocks noGrp="1"/>
+          </p:cNvSpPr>
+          <p:nvPr>
+            <p:ph idx="1"/>
+          </p:nvPr>
+        </p:nvSpPr>
+        <p:spPr/>
+        <p:txBody>
+          <a:bodyPr/>
+          <a:lstStyle/>
+          <a:p>
+            <a:r>
+              <a:rPr lang="en-US" altLang="zh-CN" smtClean="0"/>
+              <a:t>11</a:t>
+            </a:r>
+            <a:endParaRPr lang="zh-CN" altLang="en-US"/>
+          </a:p>
+        </p:txBody>
+      </p:sp>
+    </p:spTree>
+    <p:extLst>
+      <p:ext uri="{BB962C8B-B14F-4D97-AF65-F5344CB8AC3E}">
+        <p14:creationId xmlns:p14="http://schemas.microsoft.com/office/powerpoint/2010/main" val="2883624133"/>
+      </p:ext>
+    </p:extLst>
+  </p:cSld>
+  <p:clrMapOvr>
+    <a:masterClrMapping/>
+  </p:clrMapOvr>
+</p:sld>
+</file>
+
 <file path=ppt/theme/theme1.xml><?xml version="1.0" encoding="utf-8"?>
 <a:theme xmlns:a="http://schemas.openxmlformats.org/drawingml/2006/main" name="Office 主题​​">
   <a:themeElements>
